--- a/Diplomarbeit/Powerpoint/Wolf.pptx
+++ b/Diplomarbeit/Powerpoint/Wolf.pptx
@@ -16,6 +16,14 @@
     <p:sldId id="264" r:id="rId10"/>
     <p:sldId id="265" r:id="rId11"/>
     <p:sldId id="266" r:id="rId12"/>
+    <p:sldId id="267" r:id="rId13"/>
+    <p:sldId id="268" r:id="rId14"/>
+    <p:sldId id="269" r:id="rId15"/>
+    <p:sldId id="270" r:id="rId16"/>
+    <p:sldId id="271" r:id="rId17"/>
+    <p:sldId id="272" r:id="rId18"/>
+    <p:sldId id="273" r:id="rId19"/>
+    <p:sldId id="274" r:id="rId20"/>
   </p:sldIdLst>
   <p:sldSz cx="12192000" cy="6858000"/>
   <p:notesSz cx="6858000" cy="9144000"/>
@@ -3706,10 +3714,9 @@
               <a:buNone/>
             </a:pPr>
             <a:r>
-              <a:rPr lang="de-AT" sz="7200" b="1" dirty="0" err="1"/>
-              <a:t>Defensio</a:t>
-            </a:r>
-            <a:endParaRPr lang="de-AT" sz="7200" b="1" dirty="0"/>
+              <a:rPr lang="de-AT" sz="7200" b="1" dirty="0"/>
+              <a:t>Verteidigung</a:t>
+            </a:r>
           </a:p>
         </p:txBody>
       </p:sp>
@@ -3717,6 +3724,873 @@
     <p:extLst>
       <p:ext uri="{BB962C8B-B14F-4D97-AF65-F5344CB8AC3E}">
         <p14:creationId xmlns:p14="http://schemas.microsoft.com/office/powerpoint/2010/main" val="3976638720"/>
+      </p:ext>
+    </p:extLst>
+  </p:cSld>
+  <p:clrMapOvr>
+    <a:masterClrMapping/>
+  </p:clrMapOvr>
+</p:sld>
+</file>
+
+<file path=ppt/slides/slide12.xml><?xml version="1.0" encoding="utf-8"?>
+<p:sld xmlns:a="http://schemas.openxmlformats.org/drawingml/2006/main" xmlns:r="http://schemas.openxmlformats.org/officeDocument/2006/relationships" xmlns:p="http://schemas.openxmlformats.org/presentationml/2006/main">
+  <p:cSld>
+    <p:spTree>
+      <p:nvGrpSpPr>
+        <p:cNvPr id="1" name=""/>
+        <p:cNvGrpSpPr/>
+        <p:nvPr/>
+      </p:nvGrpSpPr>
+      <p:grpSpPr>
+        <a:xfrm>
+          <a:off x="0" y="0"/>
+          <a:ext cx="0" cy="0"/>
+          <a:chOff x="0" y="0"/>
+          <a:chExt cx="0" cy="0"/>
+        </a:xfrm>
+      </p:grpSpPr>
+      <p:sp>
+        <p:nvSpPr>
+          <p:cNvPr id="2" name="Title 1">
+            <a:extLst>
+              <a:ext uri="{FF2B5EF4-FFF2-40B4-BE49-F238E27FC236}">
+                <a16:creationId xmlns:a16="http://schemas.microsoft.com/office/drawing/2014/main" id="{479AEB63-FD55-4C5F-B653-986D20BE7B44}"/>
+              </a:ext>
+            </a:extLst>
+          </p:cNvPr>
+          <p:cNvSpPr>
+            <a:spLocks noGrp="1"/>
+          </p:cNvSpPr>
+          <p:nvPr>
+            <p:ph type="title"/>
+          </p:nvPr>
+        </p:nvSpPr>
+        <p:spPr/>
+        <p:txBody>
+          <a:bodyPr/>
+          <a:lstStyle/>
+          <a:p>
+            <a:endParaRPr lang="de-AT"/>
+          </a:p>
+        </p:txBody>
+      </p:sp>
+      <p:pic>
+        <p:nvPicPr>
+          <p:cNvPr id="5" name="Content Placeholder 4">
+            <a:extLst>
+              <a:ext uri="{FF2B5EF4-FFF2-40B4-BE49-F238E27FC236}">
+                <a16:creationId xmlns:a16="http://schemas.microsoft.com/office/drawing/2014/main" id="{70DD64FF-4C88-46A3-800C-A54D0E12968B}"/>
+              </a:ext>
+            </a:extLst>
+          </p:cNvPr>
+          <p:cNvPicPr>
+            <a:picLocks noGrp="1" noChangeAspect="1"/>
+          </p:cNvPicPr>
+          <p:nvPr>
+            <p:ph idx="1"/>
+          </p:nvPr>
+        </p:nvPicPr>
+        <p:blipFill>
+          <a:blip r:embed="rId2">
+            <a:extLst>
+              <a:ext uri="{28A0092B-C50C-407E-A947-70E740481C1C}">
+                <a14:useLocalDpi xmlns:a14="http://schemas.microsoft.com/office/drawing/2010/main" val="0"/>
+              </a:ext>
+            </a:extLst>
+          </a:blip>
+          <a:stretch>
+            <a:fillRect/>
+          </a:stretch>
+        </p:blipFill>
+        <p:spPr>
+          <a:xfrm>
+            <a:off x="3413449" y="0"/>
+            <a:ext cx="5365102" cy="6860023"/>
+          </a:xfrm>
+        </p:spPr>
+      </p:pic>
+    </p:spTree>
+    <p:extLst>
+      <p:ext uri="{BB962C8B-B14F-4D97-AF65-F5344CB8AC3E}">
+        <p14:creationId xmlns:p14="http://schemas.microsoft.com/office/powerpoint/2010/main" val="1811205061"/>
+      </p:ext>
+    </p:extLst>
+  </p:cSld>
+  <p:clrMapOvr>
+    <a:masterClrMapping/>
+  </p:clrMapOvr>
+</p:sld>
+</file>
+
+<file path=ppt/slides/slide13.xml><?xml version="1.0" encoding="utf-8"?>
+<p:sld xmlns:a="http://schemas.openxmlformats.org/drawingml/2006/main" xmlns:r="http://schemas.openxmlformats.org/officeDocument/2006/relationships" xmlns:p="http://schemas.openxmlformats.org/presentationml/2006/main">
+  <p:cSld>
+    <p:spTree>
+      <p:nvGrpSpPr>
+        <p:cNvPr id="1" name=""/>
+        <p:cNvGrpSpPr/>
+        <p:nvPr/>
+      </p:nvGrpSpPr>
+      <p:grpSpPr>
+        <a:xfrm>
+          <a:off x="0" y="0"/>
+          <a:ext cx="0" cy="0"/>
+          <a:chOff x="0" y="0"/>
+          <a:chExt cx="0" cy="0"/>
+        </a:xfrm>
+      </p:grpSpPr>
+      <p:sp>
+        <p:nvSpPr>
+          <p:cNvPr id="2" name="Title 1">
+            <a:extLst>
+              <a:ext uri="{FF2B5EF4-FFF2-40B4-BE49-F238E27FC236}">
+                <a16:creationId xmlns:a16="http://schemas.microsoft.com/office/drawing/2014/main" id="{E84B54DF-19FB-42D3-97C3-A82D00B17205}"/>
+              </a:ext>
+            </a:extLst>
+          </p:cNvPr>
+          <p:cNvSpPr>
+            <a:spLocks noGrp="1"/>
+          </p:cNvSpPr>
+          <p:nvPr>
+            <p:ph type="title"/>
+          </p:nvPr>
+        </p:nvSpPr>
+        <p:spPr/>
+        <p:txBody>
+          <a:bodyPr/>
+          <a:lstStyle/>
+          <a:p>
+            <a:endParaRPr lang="de-AT"/>
+          </a:p>
+        </p:txBody>
+      </p:sp>
+      <p:pic>
+        <p:nvPicPr>
+          <p:cNvPr id="5" name="Content Placeholder 4">
+            <a:extLst>
+              <a:ext uri="{FF2B5EF4-FFF2-40B4-BE49-F238E27FC236}">
+                <a16:creationId xmlns:a16="http://schemas.microsoft.com/office/drawing/2014/main" id="{78992E88-1989-46BC-A902-4EECC55A7214}"/>
+              </a:ext>
+            </a:extLst>
+          </p:cNvPr>
+          <p:cNvPicPr>
+            <a:picLocks noGrp="1" noChangeAspect="1"/>
+          </p:cNvPicPr>
+          <p:nvPr>
+            <p:ph idx="1"/>
+          </p:nvPr>
+        </p:nvPicPr>
+        <p:blipFill>
+          <a:blip r:embed="rId2">
+            <a:extLst>
+              <a:ext uri="{28A0092B-C50C-407E-A947-70E740481C1C}">
+                <a14:useLocalDpi xmlns:a14="http://schemas.microsoft.com/office/drawing/2010/main" val="0"/>
+              </a:ext>
+            </a:extLst>
+          </a:blip>
+          <a:stretch>
+            <a:fillRect/>
+          </a:stretch>
+        </p:blipFill>
+        <p:spPr>
+          <a:xfrm>
+            <a:off x="1280998" y="0"/>
+            <a:ext cx="9630004" cy="6866552"/>
+          </a:xfrm>
+        </p:spPr>
+      </p:pic>
+    </p:spTree>
+    <p:extLst>
+      <p:ext uri="{BB962C8B-B14F-4D97-AF65-F5344CB8AC3E}">
+        <p14:creationId xmlns:p14="http://schemas.microsoft.com/office/powerpoint/2010/main" val="3033991742"/>
+      </p:ext>
+    </p:extLst>
+  </p:cSld>
+  <p:clrMapOvr>
+    <a:masterClrMapping/>
+  </p:clrMapOvr>
+</p:sld>
+</file>
+
+<file path=ppt/slides/slide14.xml><?xml version="1.0" encoding="utf-8"?>
+<p:sld xmlns:a="http://schemas.openxmlformats.org/drawingml/2006/main" xmlns:r="http://schemas.openxmlformats.org/officeDocument/2006/relationships" xmlns:p="http://schemas.openxmlformats.org/presentationml/2006/main">
+  <p:cSld>
+    <p:spTree>
+      <p:nvGrpSpPr>
+        <p:cNvPr id="1" name=""/>
+        <p:cNvGrpSpPr/>
+        <p:nvPr/>
+      </p:nvGrpSpPr>
+      <p:grpSpPr>
+        <a:xfrm>
+          <a:off x="0" y="0"/>
+          <a:ext cx="0" cy="0"/>
+          <a:chOff x="0" y="0"/>
+          <a:chExt cx="0" cy="0"/>
+        </a:xfrm>
+      </p:grpSpPr>
+      <p:sp>
+        <p:nvSpPr>
+          <p:cNvPr id="2" name="Title 1">
+            <a:extLst>
+              <a:ext uri="{FF2B5EF4-FFF2-40B4-BE49-F238E27FC236}">
+                <a16:creationId xmlns:a16="http://schemas.microsoft.com/office/drawing/2014/main" id="{24959B05-AA6F-4EB5-B2CE-35ADC6DA2B65}"/>
+              </a:ext>
+            </a:extLst>
+          </p:cNvPr>
+          <p:cNvSpPr>
+            <a:spLocks noGrp="1"/>
+          </p:cNvSpPr>
+          <p:nvPr>
+            <p:ph type="title"/>
+          </p:nvPr>
+        </p:nvSpPr>
+        <p:spPr/>
+        <p:txBody>
+          <a:bodyPr/>
+          <a:lstStyle/>
+          <a:p>
+            <a:endParaRPr lang="de-AT"/>
+          </a:p>
+        </p:txBody>
+      </p:sp>
+      <p:pic>
+        <p:nvPicPr>
+          <p:cNvPr id="5" name="Content Placeholder 4">
+            <a:extLst>
+              <a:ext uri="{FF2B5EF4-FFF2-40B4-BE49-F238E27FC236}">
+                <a16:creationId xmlns:a16="http://schemas.microsoft.com/office/drawing/2014/main" id="{7580C69D-7730-48AF-832A-76C77B5BAADF}"/>
+              </a:ext>
+            </a:extLst>
+          </p:cNvPr>
+          <p:cNvPicPr>
+            <a:picLocks noGrp="1" noChangeAspect="1"/>
+          </p:cNvPicPr>
+          <p:nvPr>
+            <p:ph idx="1"/>
+          </p:nvPr>
+        </p:nvPicPr>
+        <p:blipFill>
+          <a:blip r:embed="rId2">
+            <a:extLst>
+              <a:ext uri="{28A0092B-C50C-407E-A947-70E740481C1C}">
+                <a14:useLocalDpi xmlns:a14="http://schemas.microsoft.com/office/drawing/2010/main" val="0"/>
+              </a:ext>
+            </a:extLst>
+          </a:blip>
+          <a:stretch>
+            <a:fillRect/>
+          </a:stretch>
+        </p:blipFill>
+        <p:spPr>
+          <a:xfrm>
+            <a:off x="926841" y="-5509"/>
+            <a:ext cx="10338318" cy="6869018"/>
+          </a:xfrm>
+        </p:spPr>
+      </p:pic>
+    </p:spTree>
+    <p:extLst>
+      <p:ext uri="{BB962C8B-B14F-4D97-AF65-F5344CB8AC3E}">
+        <p14:creationId xmlns:p14="http://schemas.microsoft.com/office/powerpoint/2010/main" val="2957168965"/>
+      </p:ext>
+    </p:extLst>
+  </p:cSld>
+  <p:clrMapOvr>
+    <a:masterClrMapping/>
+  </p:clrMapOvr>
+</p:sld>
+</file>
+
+<file path=ppt/slides/slide15.xml><?xml version="1.0" encoding="utf-8"?>
+<p:sld xmlns:a="http://schemas.openxmlformats.org/drawingml/2006/main" xmlns:r="http://schemas.openxmlformats.org/officeDocument/2006/relationships" xmlns:p="http://schemas.openxmlformats.org/presentationml/2006/main">
+  <p:cSld>
+    <p:spTree>
+      <p:nvGrpSpPr>
+        <p:cNvPr id="1" name=""/>
+        <p:cNvGrpSpPr/>
+        <p:nvPr/>
+      </p:nvGrpSpPr>
+      <p:grpSpPr>
+        <a:xfrm>
+          <a:off x="0" y="0"/>
+          <a:ext cx="0" cy="0"/>
+          <a:chOff x="0" y="0"/>
+          <a:chExt cx="0" cy="0"/>
+        </a:xfrm>
+      </p:grpSpPr>
+      <p:sp>
+        <p:nvSpPr>
+          <p:cNvPr id="2" name="Title 1">
+            <a:extLst>
+              <a:ext uri="{FF2B5EF4-FFF2-40B4-BE49-F238E27FC236}">
+                <a16:creationId xmlns:a16="http://schemas.microsoft.com/office/drawing/2014/main" id="{0BBCFFDB-6FBB-4B2E-8A41-EE6CBD373BF1}"/>
+              </a:ext>
+            </a:extLst>
+          </p:cNvPr>
+          <p:cNvSpPr>
+            <a:spLocks noGrp="1"/>
+          </p:cNvSpPr>
+          <p:nvPr>
+            <p:ph type="title"/>
+          </p:nvPr>
+        </p:nvSpPr>
+        <p:spPr/>
+        <p:txBody>
+          <a:bodyPr/>
+          <a:lstStyle/>
+          <a:p>
+            <a:endParaRPr lang="de-AT"/>
+          </a:p>
+        </p:txBody>
+      </p:sp>
+      <p:pic>
+        <p:nvPicPr>
+          <p:cNvPr id="5" name="Content Placeholder 4">
+            <a:extLst>
+              <a:ext uri="{FF2B5EF4-FFF2-40B4-BE49-F238E27FC236}">
+                <a16:creationId xmlns:a16="http://schemas.microsoft.com/office/drawing/2014/main" id="{AE5C1FF5-D0FF-47FD-B3BE-C5660B787794}"/>
+              </a:ext>
+            </a:extLst>
+          </p:cNvPr>
+          <p:cNvPicPr>
+            <a:picLocks noGrp="1" noChangeAspect="1"/>
+          </p:cNvPicPr>
+          <p:nvPr>
+            <p:ph idx="1"/>
+          </p:nvPr>
+        </p:nvPicPr>
+        <p:blipFill>
+          <a:blip r:embed="rId2">
+            <a:extLst>
+              <a:ext uri="{28A0092B-C50C-407E-A947-70E740481C1C}">
+                <a14:useLocalDpi xmlns:a14="http://schemas.microsoft.com/office/drawing/2010/main" val="0"/>
+              </a:ext>
+            </a:extLst>
+          </a:blip>
+          <a:stretch>
+            <a:fillRect/>
+          </a:stretch>
+        </p:blipFill>
+        <p:spPr>
+          <a:xfrm>
+            <a:off x="1563710" y="92"/>
+            <a:ext cx="9064579" cy="6857908"/>
+          </a:xfrm>
+        </p:spPr>
+      </p:pic>
+    </p:spTree>
+    <p:extLst>
+      <p:ext uri="{BB962C8B-B14F-4D97-AF65-F5344CB8AC3E}">
+        <p14:creationId xmlns:p14="http://schemas.microsoft.com/office/powerpoint/2010/main" val="912086418"/>
+      </p:ext>
+    </p:extLst>
+  </p:cSld>
+  <p:clrMapOvr>
+    <a:masterClrMapping/>
+  </p:clrMapOvr>
+</p:sld>
+</file>
+
+<file path=ppt/slides/slide16.xml><?xml version="1.0" encoding="utf-8"?>
+<p:sld xmlns:a="http://schemas.openxmlformats.org/drawingml/2006/main" xmlns:r="http://schemas.openxmlformats.org/officeDocument/2006/relationships" xmlns:p="http://schemas.openxmlformats.org/presentationml/2006/main">
+  <p:cSld>
+    <p:spTree>
+      <p:nvGrpSpPr>
+        <p:cNvPr id="1" name=""/>
+        <p:cNvGrpSpPr/>
+        <p:nvPr/>
+      </p:nvGrpSpPr>
+      <p:grpSpPr>
+        <a:xfrm>
+          <a:off x="0" y="0"/>
+          <a:ext cx="0" cy="0"/>
+          <a:chOff x="0" y="0"/>
+          <a:chExt cx="0" cy="0"/>
+        </a:xfrm>
+      </p:grpSpPr>
+      <p:sp>
+        <p:nvSpPr>
+          <p:cNvPr id="2" name="Title 1">
+            <a:extLst>
+              <a:ext uri="{FF2B5EF4-FFF2-40B4-BE49-F238E27FC236}">
+                <a16:creationId xmlns:a16="http://schemas.microsoft.com/office/drawing/2014/main" id="{62A37235-5301-448F-AC0A-D52CE0561E44}"/>
+              </a:ext>
+            </a:extLst>
+          </p:cNvPr>
+          <p:cNvSpPr>
+            <a:spLocks noGrp="1"/>
+          </p:cNvSpPr>
+          <p:nvPr>
+            <p:ph type="title"/>
+          </p:nvPr>
+        </p:nvSpPr>
+        <p:spPr/>
+        <p:txBody>
+          <a:bodyPr/>
+          <a:lstStyle/>
+          <a:p>
+            <a:endParaRPr lang="de-AT"/>
+          </a:p>
+        </p:txBody>
+      </p:sp>
+      <p:pic>
+        <p:nvPicPr>
+          <p:cNvPr id="5" name="Content Placeholder 4">
+            <a:extLst>
+              <a:ext uri="{FF2B5EF4-FFF2-40B4-BE49-F238E27FC236}">
+                <a16:creationId xmlns:a16="http://schemas.microsoft.com/office/drawing/2014/main" id="{FEDF63C0-A11A-4B67-8F93-D63D139F8E07}"/>
+              </a:ext>
+            </a:extLst>
+          </p:cNvPr>
+          <p:cNvPicPr>
+            <a:picLocks noGrp="1" noChangeAspect="1"/>
+          </p:cNvPicPr>
+          <p:nvPr>
+            <p:ph idx="1"/>
+          </p:nvPr>
+        </p:nvPicPr>
+        <p:blipFill>
+          <a:blip r:embed="rId2">
+            <a:extLst>
+              <a:ext uri="{28A0092B-C50C-407E-A947-70E740481C1C}">
+                <a14:useLocalDpi xmlns:a14="http://schemas.microsoft.com/office/drawing/2010/main" val="0"/>
+              </a:ext>
+            </a:extLst>
+          </a:blip>
+          <a:stretch>
+            <a:fillRect/>
+          </a:stretch>
+        </p:blipFill>
+        <p:spPr>
+          <a:xfrm>
+            <a:off x="2814796" y="309446"/>
+            <a:ext cx="6562408" cy="2762484"/>
+          </a:xfrm>
+        </p:spPr>
+      </p:pic>
+      <p:pic>
+        <p:nvPicPr>
+          <p:cNvPr id="7" name="Picture 6">
+            <a:extLst>
+              <a:ext uri="{FF2B5EF4-FFF2-40B4-BE49-F238E27FC236}">
+                <a16:creationId xmlns:a16="http://schemas.microsoft.com/office/drawing/2014/main" id="{60AA4C26-6A41-418E-88A3-DF3FFDB6111B}"/>
+              </a:ext>
+            </a:extLst>
+          </p:cNvPr>
+          <p:cNvPicPr>
+            <a:picLocks noChangeAspect="1"/>
+          </p:cNvPicPr>
+          <p:nvPr/>
+        </p:nvPicPr>
+        <p:blipFill>
+          <a:blip r:embed="rId3">
+            <a:extLst>
+              <a:ext uri="{28A0092B-C50C-407E-A947-70E740481C1C}">
+                <a14:useLocalDpi xmlns:a14="http://schemas.microsoft.com/office/drawing/2010/main" val="0"/>
+              </a:ext>
+            </a:extLst>
+          </a:blip>
+          <a:stretch>
+            <a:fillRect/>
+          </a:stretch>
+        </p:blipFill>
+        <p:spPr>
+          <a:xfrm>
+            <a:off x="1299493" y="3663118"/>
+            <a:ext cx="9593014" cy="3096057"/>
+          </a:xfrm>
+          <a:prstGeom prst="rect">
+            <a:avLst/>
+          </a:prstGeom>
+        </p:spPr>
+      </p:pic>
+    </p:spTree>
+    <p:extLst>
+      <p:ext uri="{BB962C8B-B14F-4D97-AF65-F5344CB8AC3E}">
+        <p14:creationId xmlns:p14="http://schemas.microsoft.com/office/powerpoint/2010/main" val="2062947577"/>
+      </p:ext>
+    </p:extLst>
+  </p:cSld>
+  <p:clrMapOvr>
+    <a:masterClrMapping/>
+  </p:clrMapOvr>
+</p:sld>
+</file>
+
+<file path=ppt/slides/slide17.xml><?xml version="1.0" encoding="utf-8"?>
+<p:sld xmlns:a="http://schemas.openxmlformats.org/drawingml/2006/main" xmlns:r="http://schemas.openxmlformats.org/officeDocument/2006/relationships" xmlns:p="http://schemas.openxmlformats.org/presentationml/2006/main">
+  <p:cSld>
+    <p:spTree>
+      <p:nvGrpSpPr>
+        <p:cNvPr id="1" name=""/>
+        <p:cNvGrpSpPr/>
+        <p:nvPr/>
+      </p:nvGrpSpPr>
+      <p:grpSpPr>
+        <a:xfrm>
+          <a:off x="0" y="0"/>
+          <a:ext cx="0" cy="0"/>
+          <a:chOff x="0" y="0"/>
+          <a:chExt cx="0" cy="0"/>
+        </a:xfrm>
+      </p:grpSpPr>
+      <p:sp>
+        <p:nvSpPr>
+          <p:cNvPr id="2" name="Title 1">
+            <a:extLst>
+              <a:ext uri="{FF2B5EF4-FFF2-40B4-BE49-F238E27FC236}">
+                <a16:creationId xmlns:a16="http://schemas.microsoft.com/office/drawing/2014/main" id="{F7FA9A41-DBAF-4213-8DF4-CEAB4F3EBF85}"/>
+              </a:ext>
+            </a:extLst>
+          </p:cNvPr>
+          <p:cNvSpPr>
+            <a:spLocks noGrp="1"/>
+          </p:cNvSpPr>
+          <p:nvPr>
+            <p:ph type="title"/>
+          </p:nvPr>
+        </p:nvSpPr>
+        <p:spPr/>
+        <p:txBody>
+          <a:bodyPr/>
+          <a:lstStyle/>
+          <a:p>
+            <a:endParaRPr lang="de-AT"/>
+          </a:p>
+        </p:txBody>
+      </p:sp>
+      <p:pic>
+        <p:nvPicPr>
+          <p:cNvPr id="5" name="Content Placeholder 4">
+            <a:extLst>
+              <a:ext uri="{FF2B5EF4-FFF2-40B4-BE49-F238E27FC236}">
+                <a16:creationId xmlns:a16="http://schemas.microsoft.com/office/drawing/2014/main" id="{1490A5FA-482B-498F-8C3B-D7530DBAD950}"/>
+              </a:ext>
+            </a:extLst>
+          </p:cNvPr>
+          <p:cNvPicPr>
+            <a:picLocks noGrp="1" noChangeAspect="1"/>
+          </p:cNvPicPr>
+          <p:nvPr>
+            <p:ph idx="1"/>
+          </p:nvPr>
+        </p:nvPicPr>
+        <p:blipFill>
+          <a:blip r:embed="rId2">
+            <a:extLst>
+              <a:ext uri="{28A0092B-C50C-407E-A947-70E740481C1C}">
+                <a14:useLocalDpi xmlns:a14="http://schemas.microsoft.com/office/drawing/2010/main" val="0"/>
+              </a:ext>
+            </a:extLst>
+          </a:blip>
+          <a:stretch>
+            <a:fillRect/>
+          </a:stretch>
+        </p:blipFill>
+        <p:spPr>
+          <a:xfrm>
+            <a:off x="0" y="830424"/>
+            <a:ext cx="6159204" cy="4813691"/>
+          </a:xfrm>
+        </p:spPr>
+      </p:pic>
+      <p:pic>
+        <p:nvPicPr>
+          <p:cNvPr id="7" name="Picture 6">
+            <a:extLst>
+              <a:ext uri="{FF2B5EF4-FFF2-40B4-BE49-F238E27FC236}">
+                <a16:creationId xmlns:a16="http://schemas.microsoft.com/office/drawing/2014/main" id="{97F58BEB-E689-4434-B129-1476DDF3AE23}"/>
+              </a:ext>
+            </a:extLst>
+          </p:cNvPr>
+          <p:cNvPicPr>
+            <a:picLocks noChangeAspect="1"/>
+          </p:cNvPicPr>
+          <p:nvPr/>
+        </p:nvPicPr>
+        <p:blipFill>
+          <a:blip r:embed="rId3">
+            <a:extLst>
+              <a:ext uri="{28A0092B-C50C-407E-A947-70E740481C1C}">
+                <a14:useLocalDpi xmlns:a14="http://schemas.microsoft.com/office/drawing/2010/main" val="0"/>
+              </a:ext>
+            </a:extLst>
+          </a:blip>
+          <a:stretch>
+            <a:fillRect/>
+          </a:stretch>
+        </p:blipFill>
+        <p:spPr>
+          <a:xfrm>
+            <a:off x="6135388" y="928395"/>
+            <a:ext cx="6056612" cy="4617748"/>
+          </a:xfrm>
+          <a:prstGeom prst="rect">
+            <a:avLst/>
+          </a:prstGeom>
+        </p:spPr>
+      </p:pic>
+    </p:spTree>
+    <p:extLst>
+      <p:ext uri="{BB962C8B-B14F-4D97-AF65-F5344CB8AC3E}">
+        <p14:creationId xmlns:p14="http://schemas.microsoft.com/office/powerpoint/2010/main" val="1554429364"/>
+      </p:ext>
+    </p:extLst>
+  </p:cSld>
+  <p:clrMapOvr>
+    <a:masterClrMapping/>
+  </p:clrMapOvr>
+</p:sld>
+</file>
+
+<file path=ppt/slides/slide18.xml><?xml version="1.0" encoding="utf-8"?>
+<p:sld xmlns:a="http://schemas.openxmlformats.org/drawingml/2006/main" xmlns:r="http://schemas.openxmlformats.org/officeDocument/2006/relationships" xmlns:p="http://schemas.openxmlformats.org/presentationml/2006/main">
+  <p:cSld>
+    <p:spTree>
+      <p:nvGrpSpPr>
+        <p:cNvPr id="1" name=""/>
+        <p:cNvGrpSpPr/>
+        <p:nvPr/>
+      </p:nvGrpSpPr>
+      <p:grpSpPr>
+        <a:xfrm>
+          <a:off x="0" y="0"/>
+          <a:ext cx="0" cy="0"/>
+          <a:chOff x="0" y="0"/>
+          <a:chExt cx="0" cy="0"/>
+        </a:xfrm>
+      </p:grpSpPr>
+      <p:sp>
+        <p:nvSpPr>
+          <p:cNvPr id="2" name="Title 1">
+            <a:extLst>
+              <a:ext uri="{FF2B5EF4-FFF2-40B4-BE49-F238E27FC236}">
+                <a16:creationId xmlns:a16="http://schemas.microsoft.com/office/drawing/2014/main" id="{98B4B2A2-115A-4955-A893-73FC148C15E4}"/>
+              </a:ext>
+            </a:extLst>
+          </p:cNvPr>
+          <p:cNvSpPr>
+            <a:spLocks noGrp="1"/>
+          </p:cNvSpPr>
+          <p:nvPr>
+            <p:ph type="title"/>
+          </p:nvPr>
+        </p:nvSpPr>
+        <p:spPr/>
+        <p:txBody>
+          <a:bodyPr/>
+          <a:lstStyle/>
+          <a:p>
+            <a:r>
+              <a:rPr lang="de-AT" dirty="0"/>
+              <a:t>	N-Kanal							P-Kanal</a:t>
+            </a:r>
+          </a:p>
+        </p:txBody>
+      </p:sp>
+      <p:pic>
+        <p:nvPicPr>
+          <p:cNvPr id="5" name="Content Placeholder 4">
+            <a:extLst>
+              <a:ext uri="{FF2B5EF4-FFF2-40B4-BE49-F238E27FC236}">
+                <a16:creationId xmlns:a16="http://schemas.microsoft.com/office/drawing/2014/main" id="{05C853D0-8497-4FD6-B1CD-FA04A84ABB7D}"/>
+              </a:ext>
+            </a:extLst>
+          </p:cNvPr>
+          <p:cNvPicPr>
+            <a:picLocks noGrp="1" noChangeAspect="1"/>
+          </p:cNvPicPr>
+          <p:nvPr>
+            <p:ph idx="1"/>
+          </p:nvPr>
+        </p:nvPicPr>
+        <p:blipFill>
+          <a:blip r:embed="rId2">
+            <a:extLst>
+              <a:ext uri="{28A0092B-C50C-407E-A947-70E740481C1C}">
+                <a14:useLocalDpi xmlns:a14="http://schemas.microsoft.com/office/drawing/2010/main" val="0"/>
+              </a:ext>
+            </a:extLst>
+          </a:blip>
+          <a:stretch>
+            <a:fillRect/>
+          </a:stretch>
+        </p:blipFill>
+        <p:spPr>
+          <a:xfrm>
+            <a:off x="-1" y="1690688"/>
+            <a:ext cx="5346442" cy="5007752"/>
+          </a:xfrm>
+        </p:spPr>
+      </p:pic>
+      <p:pic>
+        <p:nvPicPr>
+          <p:cNvPr id="7" name="Picture 6">
+            <a:extLst>
+              <a:ext uri="{FF2B5EF4-FFF2-40B4-BE49-F238E27FC236}">
+                <a16:creationId xmlns:a16="http://schemas.microsoft.com/office/drawing/2014/main" id="{4F570590-272C-4A12-AC2A-30B8614265ED}"/>
+              </a:ext>
+            </a:extLst>
+          </p:cNvPr>
+          <p:cNvPicPr>
+            <a:picLocks noChangeAspect="1"/>
+          </p:cNvPicPr>
+          <p:nvPr/>
+        </p:nvPicPr>
+        <p:blipFill>
+          <a:blip r:embed="rId3">
+            <a:extLst>
+              <a:ext uri="{28A0092B-C50C-407E-A947-70E740481C1C}">
+                <a14:useLocalDpi xmlns:a14="http://schemas.microsoft.com/office/drawing/2010/main" val="0"/>
+              </a:ext>
+            </a:extLst>
+          </a:blip>
+          <a:stretch>
+            <a:fillRect/>
+          </a:stretch>
+        </p:blipFill>
+        <p:spPr>
+          <a:xfrm>
+            <a:off x="6279926" y="1690687"/>
+            <a:ext cx="5912074" cy="4802187"/>
+          </a:xfrm>
+          <a:prstGeom prst="rect">
+            <a:avLst/>
+          </a:prstGeom>
+        </p:spPr>
+      </p:pic>
+    </p:spTree>
+    <p:extLst>
+      <p:ext uri="{BB962C8B-B14F-4D97-AF65-F5344CB8AC3E}">
+        <p14:creationId xmlns:p14="http://schemas.microsoft.com/office/powerpoint/2010/main" val="2964179021"/>
+      </p:ext>
+    </p:extLst>
+  </p:cSld>
+  <p:clrMapOvr>
+    <a:masterClrMapping/>
+  </p:clrMapOvr>
+</p:sld>
+</file>
+
+<file path=ppt/slides/slide19.xml><?xml version="1.0" encoding="utf-8"?>
+<p:sld xmlns:a="http://schemas.openxmlformats.org/drawingml/2006/main" xmlns:r="http://schemas.openxmlformats.org/officeDocument/2006/relationships" xmlns:p="http://schemas.openxmlformats.org/presentationml/2006/main">
+  <p:cSld>
+    <p:spTree>
+      <p:nvGrpSpPr>
+        <p:cNvPr id="1" name=""/>
+        <p:cNvGrpSpPr/>
+        <p:nvPr/>
+      </p:nvGrpSpPr>
+      <p:grpSpPr>
+        <a:xfrm>
+          <a:off x="0" y="0"/>
+          <a:ext cx="0" cy="0"/>
+          <a:chOff x="0" y="0"/>
+          <a:chExt cx="0" cy="0"/>
+        </a:xfrm>
+      </p:grpSpPr>
+      <p:sp>
+        <p:nvSpPr>
+          <p:cNvPr id="2" name="Title 1">
+            <a:extLst>
+              <a:ext uri="{FF2B5EF4-FFF2-40B4-BE49-F238E27FC236}">
+                <a16:creationId xmlns:a16="http://schemas.microsoft.com/office/drawing/2014/main" id="{50A5A7BC-238E-43E3-9DF2-CBDD50BBF66B}"/>
+              </a:ext>
+            </a:extLst>
+          </p:cNvPr>
+          <p:cNvSpPr>
+            <a:spLocks noGrp="1"/>
+          </p:cNvSpPr>
+          <p:nvPr>
+            <p:ph type="title"/>
+          </p:nvPr>
+        </p:nvSpPr>
+        <p:spPr/>
+        <p:txBody>
+          <a:bodyPr/>
+          <a:lstStyle/>
+          <a:p>
+            <a:endParaRPr lang="de-AT"/>
+          </a:p>
+        </p:txBody>
+      </p:sp>
+      <p:pic>
+        <p:nvPicPr>
+          <p:cNvPr id="5" name="Content Placeholder 4">
+            <a:extLst>
+              <a:ext uri="{FF2B5EF4-FFF2-40B4-BE49-F238E27FC236}">
+                <a16:creationId xmlns:a16="http://schemas.microsoft.com/office/drawing/2014/main" id="{48BCA773-907B-40BF-9C50-D0F6157A20E2}"/>
+              </a:ext>
+            </a:extLst>
+          </p:cNvPr>
+          <p:cNvPicPr>
+            <a:picLocks noGrp="1" noChangeAspect="1"/>
+          </p:cNvPicPr>
+          <p:nvPr>
+            <p:ph idx="1"/>
+          </p:nvPr>
+        </p:nvPicPr>
+        <p:blipFill>
+          <a:blip r:embed="rId2">
+            <a:extLst>
+              <a:ext uri="{28A0092B-C50C-407E-A947-70E740481C1C}">
+                <a14:useLocalDpi xmlns:a14="http://schemas.microsoft.com/office/drawing/2010/main" val="0"/>
+              </a:ext>
+            </a:extLst>
+          </a:blip>
+          <a:stretch>
+            <a:fillRect/>
+          </a:stretch>
+        </p:blipFill>
+        <p:spPr>
+          <a:xfrm>
+            <a:off x="-1" y="650406"/>
+            <a:ext cx="6028465" cy="5935002"/>
+          </a:xfrm>
+        </p:spPr>
+      </p:pic>
+      <p:pic>
+        <p:nvPicPr>
+          <p:cNvPr id="7" name="Picture 6">
+            <a:extLst>
+              <a:ext uri="{FF2B5EF4-FFF2-40B4-BE49-F238E27FC236}">
+                <a16:creationId xmlns:a16="http://schemas.microsoft.com/office/drawing/2014/main" id="{73484FF5-7210-4F6D-A6DA-C2CE4D1BF64A}"/>
+              </a:ext>
+            </a:extLst>
+          </p:cNvPr>
+          <p:cNvPicPr>
+            <a:picLocks noChangeAspect="1"/>
+          </p:cNvPicPr>
+          <p:nvPr/>
+        </p:nvPicPr>
+        <p:blipFill>
+          <a:blip r:embed="rId3">
+            <a:extLst>
+              <a:ext uri="{28A0092B-C50C-407E-A947-70E740481C1C}">
+                <a14:useLocalDpi xmlns:a14="http://schemas.microsoft.com/office/drawing/2010/main" val="0"/>
+              </a:ext>
+            </a:extLst>
+          </a:blip>
+          <a:stretch>
+            <a:fillRect/>
+          </a:stretch>
+        </p:blipFill>
+        <p:spPr>
+          <a:xfrm>
+            <a:off x="6028465" y="437254"/>
+            <a:ext cx="6163535" cy="6420746"/>
+          </a:xfrm>
+          <a:prstGeom prst="rect">
+            <a:avLst/>
+          </a:prstGeom>
+        </p:spPr>
+      </p:pic>
+    </p:spTree>
+    <p:extLst>
+      <p:ext uri="{BB962C8B-B14F-4D97-AF65-F5344CB8AC3E}">
+        <p14:creationId xmlns:p14="http://schemas.microsoft.com/office/powerpoint/2010/main" val="1360850664"/>
       </p:ext>
     </p:extLst>
   </p:cSld>
@@ -4460,6 +5334,42 @@
           </a:p>
         </p:txBody>
       </p:sp>
+      <p:pic>
+        <p:nvPicPr>
+          <p:cNvPr id="5" name="Picture 4">
+            <a:extLst>
+              <a:ext uri="{FF2B5EF4-FFF2-40B4-BE49-F238E27FC236}">
+                <a16:creationId xmlns:a16="http://schemas.microsoft.com/office/drawing/2014/main" id="{C9919FFB-FF24-4257-A7E4-6E0F5A101C4A}"/>
+              </a:ext>
+            </a:extLst>
+          </p:cNvPr>
+          <p:cNvPicPr>
+            <a:picLocks noChangeAspect="1"/>
+          </p:cNvPicPr>
+          <p:nvPr/>
+        </p:nvPicPr>
+        <p:blipFill>
+          <a:blip r:embed="rId2">
+            <a:extLst>
+              <a:ext uri="{28A0092B-C50C-407E-A947-70E740481C1C}">
+                <a14:useLocalDpi xmlns:a14="http://schemas.microsoft.com/office/drawing/2010/main" val="0"/>
+              </a:ext>
+            </a:extLst>
+          </a:blip>
+          <a:stretch>
+            <a:fillRect/>
+          </a:stretch>
+        </p:blipFill>
+        <p:spPr>
+          <a:xfrm>
+            <a:off x="7091264" y="0"/>
+            <a:ext cx="5100735" cy="3825551"/>
+          </a:xfrm>
+          <a:prstGeom prst="rect">
+            <a:avLst/>
+          </a:prstGeom>
+        </p:spPr>
+      </p:pic>
     </p:spTree>
     <p:extLst>
       <p:ext uri="{BB962C8B-B14F-4D97-AF65-F5344CB8AC3E}">
@@ -4593,6 +5503,78 @@
           </a:p>
         </p:txBody>
       </p:sp>
+      <p:pic>
+        <p:nvPicPr>
+          <p:cNvPr id="5" name="Picture 4">
+            <a:extLst>
+              <a:ext uri="{FF2B5EF4-FFF2-40B4-BE49-F238E27FC236}">
+                <a16:creationId xmlns:a16="http://schemas.microsoft.com/office/drawing/2014/main" id="{73491864-6424-4426-8758-064BA52025E7}"/>
+              </a:ext>
+            </a:extLst>
+          </p:cNvPr>
+          <p:cNvPicPr>
+            <a:picLocks noChangeAspect="1"/>
+          </p:cNvPicPr>
+          <p:nvPr/>
+        </p:nvPicPr>
+        <p:blipFill>
+          <a:blip r:embed="rId2">
+            <a:extLst>
+              <a:ext uri="{28A0092B-C50C-407E-A947-70E740481C1C}">
+                <a14:useLocalDpi xmlns:a14="http://schemas.microsoft.com/office/drawing/2010/main" val="0"/>
+              </a:ext>
+            </a:extLst>
+          </a:blip>
+          <a:stretch>
+            <a:fillRect/>
+          </a:stretch>
+        </p:blipFill>
+        <p:spPr>
+          <a:xfrm>
+            <a:off x="6264815" y="0"/>
+            <a:ext cx="5927185" cy="3938159"/>
+          </a:xfrm>
+          <a:prstGeom prst="rect">
+            <a:avLst/>
+          </a:prstGeom>
+        </p:spPr>
+      </p:pic>
+      <p:pic>
+        <p:nvPicPr>
+          <p:cNvPr id="7" name="Picture 6">
+            <a:extLst>
+              <a:ext uri="{FF2B5EF4-FFF2-40B4-BE49-F238E27FC236}">
+                <a16:creationId xmlns:a16="http://schemas.microsoft.com/office/drawing/2014/main" id="{8579B9EA-6F1F-4C8E-B5CD-27A41CF06F46}"/>
+              </a:ext>
+            </a:extLst>
+          </p:cNvPr>
+          <p:cNvPicPr>
+            <a:picLocks noChangeAspect="1"/>
+          </p:cNvPicPr>
+          <p:nvPr/>
+        </p:nvPicPr>
+        <p:blipFill>
+          <a:blip r:embed="rId3">
+            <a:extLst>
+              <a:ext uri="{28A0092B-C50C-407E-A947-70E740481C1C}">
+                <a14:useLocalDpi xmlns:a14="http://schemas.microsoft.com/office/drawing/2010/main" val="0"/>
+              </a:ext>
+            </a:extLst>
+          </a:blip>
+          <a:stretch>
+            <a:fillRect/>
+          </a:stretch>
+        </p:blipFill>
+        <p:spPr>
+          <a:xfrm>
+            <a:off x="9296092" y="3938159"/>
+            <a:ext cx="2895908" cy="2919841"/>
+          </a:xfrm>
+          <a:prstGeom prst="rect">
+            <a:avLst/>
+          </a:prstGeom>
+        </p:spPr>
+      </p:pic>
     </p:spTree>
     <p:extLst>
       <p:ext uri="{BB962C8B-B14F-4D97-AF65-F5344CB8AC3E}">
@@ -4756,13 +5738,8 @@
             <a:pPr lvl="1"/>
             <a:r>
               <a:rPr lang="de-AT" dirty="0"/>
-              <a:t>PWM-Signal </a:t>
-            </a:r>
-            <a:r>
-              <a:rPr lang="de-AT" dirty="0" err="1"/>
-              <a:t>generation</a:t>
-            </a:r>
-            <a:endParaRPr lang="de-AT" dirty="0"/>
+              <a:t>PWM-Signal erzeugung</a:t>
+            </a:r>
           </a:p>
           <a:p>
             <a:pPr lvl="1"/>
@@ -4770,6 +5747,42 @@
           </a:p>
         </p:txBody>
       </p:sp>
+      <p:pic>
+        <p:nvPicPr>
+          <p:cNvPr id="5" name="Picture 4">
+            <a:extLst>
+              <a:ext uri="{FF2B5EF4-FFF2-40B4-BE49-F238E27FC236}">
+                <a16:creationId xmlns:a16="http://schemas.microsoft.com/office/drawing/2014/main" id="{165CB5A4-568C-411E-BA30-A7FD1BB5482F}"/>
+              </a:ext>
+            </a:extLst>
+          </p:cNvPr>
+          <p:cNvPicPr>
+            <a:picLocks noChangeAspect="1"/>
+          </p:cNvPicPr>
+          <p:nvPr/>
+        </p:nvPicPr>
+        <p:blipFill>
+          <a:blip r:embed="rId2">
+            <a:extLst>
+              <a:ext uri="{28A0092B-C50C-407E-A947-70E740481C1C}">
+                <a14:useLocalDpi xmlns:a14="http://schemas.microsoft.com/office/drawing/2010/main" val="0"/>
+              </a:ext>
+            </a:extLst>
+          </a:blip>
+          <a:stretch>
+            <a:fillRect/>
+          </a:stretch>
+        </p:blipFill>
+        <p:spPr>
+          <a:xfrm>
+            <a:off x="7914915" y="0"/>
+            <a:ext cx="4277085" cy="3235876"/>
+          </a:xfrm>
+          <a:prstGeom prst="rect">
+            <a:avLst/>
+          </a:prstGeom>
+        </p:spPr>
+      </p:pic>
     </p:spTree>
     <p:extLst>
       <p:ext uri="{BB962C8B-B14F-4D97-AF65-F5344CB8AC3E}">
@@ -4897,6 +5910,42 @@
           </a:p>
         </p:txBody>
       </p:sp>
+      <p:pic>
+        <p:nvPicPr>
+          <p:cNvPr id="5" name="Picture 4">
+            <a:extLst>
+              <a:ext uri="{FF2B5EF4-FFF2-40B4-BE49-F238E27FC236}">
+                <a16:creationId xmlns:a16="http://schemas.microsoft.com/office/drawing/2014/main" id="{6BE2C1F9-B57A-49E5-B892-A2A0A64170AF}"/>
+              </a:ext>
+            </a:extLst>
+          </p:cNvPr>
+          <p:cNvPicPr>
+            <a:picLocks noChangeAspect="1"/>
+          </p:cNvPicPr>
+          <p:nvPr/>
+        </p:nvPicPr>
+        <p:blipFill>
+          <a:blip r:embed="rId2">
+            <a:extLst>
+              <a:ext uri="{28A0092B-C50C-407E-A947-70E740481C1C}">
+                <a14:useLocalDpi xmlns:a14="http://schemas.microsoft.com/office/drawing/2010/main" val="0"/>
+              </a:ext>
+            </a:extLst>
+          </a:blip>
+          <a:stretch>
+            <a:fillRect/>
+          </a:stretch>
+        </p:blipFill>
+        <p:spPr>
+          <a:xfrm>
+            <a:off x="4473988" y="0"/>
+            <a:ext cx="7718012" cy="4814596"/>
+          </a:xfrm>
+          <a:prstGeom prst="rect">
+            <a:avLst/>
+          </a:prstGeom>
+        </p:spPr>
+      </p:pic>
     </p:spTree>
     <p:extLst>
       <p:ext uri="{BB962C8B-B14F-4D97-AF65-F5344CB8AC3E}">

--- a/Diplomarbeit/Powerpoint/Wolf.pptx
+++ b/Diplomarbeit/Powerpoint/Wolf.pptx
@@ -130,6 +130,10 @@
 </p:presentation>
 </file>
 
+<file path=ppt/revisionInfo.xml><?xml version="1.0" encoding="utf-8"?>
+<p1510:revInfo xmlns:a="http://schemas.openxmlformats.org/drawingml/2006/main" xmlns:r="http://schemas.openxmlformats.org/officeDocument/2006/relationships" xmlns:p1510="http://schemas.microsoft.com/office/powerpoint/2015/10/main"/>
+</file>
+
 <file path=ppt/slideLayouts/slideLayout1.xml><?xml version="1.0" encoding="utf-8"?>
 <p:sldLayout xmlns:a="http://schemas.openxmlformats.org/drawingml/2006/main" xmlns:r="http://schemas.openxmlformats.org/officeDocument/2006/relationships" xmlns:p="http://schemas.openxmlformats.org/presentationml/2006/main" type="title" preserve="1">
   <p:cSld name="Titelfolie">
@@ -279,7 +283,7 @@
           <a:p>
             <a:fld id="{0DC3815F-2D18-4841-A0AC-691AA37C9F11}" type="datetimeFigureOut">
               <a:rPr lang="de-AT" smtClean="0"/>
-              <a:t>25.05.2018</a:t>
+              <a:t>27.05.2018</a:t>
             </a:fld>
             <a:endParaRPr lang="de-AT"/>
           </a:p>
@@ -333,7 +337,7 @@
           <a:p>
             <a:fld id="{4AD05B69-7CB8-45C6-B6F2-9CAB5F75BAF3}" type="slidenum">
               <a:rPr lang="de-AT" smtClean="0"/>
-              <a:t>‹#›</a:t>
+              <a:t>‹Nr.›</a:t>
             </a:fld>
             <a:endParaRPr lang="de-AT"/>
           </a:p>
@@ -479,7 +483,7 @@
           <a:p>
             <a:fld id="{0DC3815F-2D18-4841-A0AC-691AA37C9F11}" type="datetimeFigureOut">
               <a:rPr lang="de-AT" smtClean="0"/>
-              <a:t>25.05.2018</a:t>
+              <a:t>27.05.2018</a:t>
             </a:fld>
             <a:endParaRPr lang="de-AT"/>
           </a:p>
@@ -533,7 +537,7 @@
           <a:p>
             <a:fld id="{4AD05B69-7CB8-45C6-B6F2-9CAB5F75BAF3}" type="slidenum">
               <a:rPr lang="de-AT" smtClean="0"/>
-              <a:t>‹#›</a:t>
+              <a:t>‹Nr.›</a:t>
             </a:fld>
             <a:endParaRPr lang="de-AT"/>
           </a:p>
@@ -689,7 +693,7 @@
           <a:p>
             <a:fld id="{0DC3815F-2D18-4841-A0AC-691AA37C9F11}" type="datetimeFigureOut">
               <a:rPr lang="de-AT" smtClean="0"/>
-              <a:t>25.05.2018</a:t>
+              <a:t>27.05.2018</a:t>
             </a:fld>
             <a:endParaRPr lang="de-AT"/>
           </a:p>
@@ -743,7 +747,7 @@
           <a:p>
             <a:fld id="{4AD05B69-7CB8-45C6-B6F2-9CAB5F75BAF3}" type="slidenum">
               <a:rPr lang="de-AT" smtClean="0"/>
-              <a:t>‹#›</a:t>
+              <a:t>‹Nr.›</a:t>
             </a:fld>
             <a:endParaRPr lang="de-AT"/>
           </a:p>
@@ -889,7 +893,7 @@
           <a:p>
             <a:fld id="{0DC3815F-2D18-4841-A0AC-691AA37C9F11}" type="datetimeFigureOut">
               <a:rPr lang="de-AT" smtClean="0"/>
-              <a:t>25.05.2018</a:t>
+              <a:t>27.05.2018</a:t>
             </a:fld>
             <a:endParaRPr lang="de-AT"/>
           </a:p>
@@ -943,7 +947,7 @@
           <a:p>
             <a:fld id="{4AD05B69-7CB8-45C6-B6F2-9CAB5F75BAF3}" type="slidenum">
               <a:rPr lang="de-AT" smtClean="0"/>
-              <a:t>‹#›</a:t>
+              <a:t>‹Nr.›</a:t>
             </a:fld>
             <a:endParaRPr lang="de-AT"/>
           </a:p>
@@ -1165,7 +1169,7 @@
           <a:p>
             <a:fld id="{0DC3815F-2D18-4841-A0AC-691AA37C9F11}" type="datetimeFigureOut">
               <a:rPr lang="de-AT" smtClean="0"/>
-              <a:t>25.05.2018</a:t>
+              <a:t>27.05.2018</a:t>
             </a:fld>
             <a:endParaRPr lang="de-AT"/>
           </a:p>
@@ -1219,7 +1223,7 @@
           <a:p>
             <a:fld id="{4AD05B69-7CB8-45C6-B6F2-9CAB5F75BAF3}" type="slidenum">
               <a:rPr lang="de-AT" smtClean="0"/>
-              <a:t>‹#›</a:t>
+              <a:t>‹Nr.›</a:t>
             </a:fld>
             <a:endParaRPr lang="de-AT"/>
           </a:p>
@@ -1433,7 +1437,7 @@
           <a:p>
             <a:fld id="{0DC3815F-2D18-4841-A0AC-691AA37C9F11}" type="datetimeFigureOut">
               <a:rPr lang="de-AT" smtClean="0"/>
-              <a:t>25.05.2018</a:t>
+              <a:t>27.05.2018</a:t>
             </a:fld>
             <a:endParaRPr lang="de-AT"/>
           </a:p>
@@ -1487,7 +1491,7 @@
           <a:p>
             <a:fld id="{4AD05B69-7CB8-45C6-B6F2-9CAB5F75BAF3}" type="slidenum">
               <a:rPr lang="de-AT" smtClean="0"/>
-              <a:t>‹#›</a:t>
+              <a:t>‹Nr.›</a:t>
             </a:fld>
             <a:endParaRPr lang="de-AT"/>
           </a:p>
@@ -1848,7 +1852,7 @@
           <a:p>
             <a:fld id="{0DC3815F-2D18-4841-A0AC-691AA37C9F11}" type="datetimeFigureOut">
               <a:rPr lang="de-AT" smtClean="0"/>
-              <a:t>25.05.2018</a:t>
+              <a:t>27.05.2018</a:t>
             </a:fld>
             <a:endParaRPr lang="de-AT"/>
           </a:p>
@@ -1902,7 +1906,7 @@
           <a:p>
             <a:fld id="{4AD05B69-7CB8-45C6-B6F2-9CAB5F75BAF3}" type="slidenum">
               <a:rPr lang="de-AT" smtClean="0"/>
-              <a:t>‹#›</a:t>
+              <a:t>‹Nr.›</a:t>
             </a:fld>
             <a:endParaRPr lang="de-AT"/>
           </a:p>
@@ -1990,7 +1994,7 @@
           <a:p>
             <a:fld id="{0DC3815F-2D18-4841-A0AC-691AA37C9F11}" type="datetimeFigureOut">
               <a:rPr lang="de-AT" smtClean="0"/>
-              <a:t>25.05.2018</a:t>
+              <a:t>27.05.2018</a:t>
             </a:fld>
             <a:endParaRPr lang="de-AT"/>
           </a:p>
@@ -2044,7 +2048,7 @@
           <a:p>
             <a:fld id="{4AD05B69-7CB8-45C6-B6F2-9CAB5F75BAF3}" type="slidenum">
               <a:rPr lang="de-AT" smtClean="0"/>
-              <a:t>‹#›</a:t>
+              <a:t>‹Nr.›</a:t>
             </a:fld>
             <a:endParaRPr lang="de-AT"/>
           </a:p>
@@ -2103,7 +2107,7 @@
           <a:p>
             <a:fld id="{0DC3815F-2D18-4841-A0AC-691AA37C9F11}" type="datetimeFigureOut">
               <a:rPr lang="de-AT" smtClean="0"/>
-              <a:t>25.05.2018</a:t>
+              <a:t>27.05.2018</a:t>
             </a:fld>
             <a:endParaRPr lang="de-AT"/>
           </a:p>
@@ -2157,7 +2161,7 @@
           <a:p>
             <a:fld id="{4AD05B69-7CB8-45C6-B6F2-9CAB5F75BAF3}" type="slidenum">
               <a:rPr lang="de-AT" smtClean="0"/>
-              <a:t>‹#›</a:t>
+              <a:t>‹Nr.›</a:t>
             </a:fld>
             <a:endParaRPr lang="de-AT"/>
           </a:p>
@@ -2416,7 +2420,7 @@
           <a:p>
             <a:fld id="{0DC3815F-2D18-4841-A0AC-691AA37C9F11}" type="datetimeFigureOut">
               <a:rPr lang="de-AT" smtClean="0"/>
-              <a:t>25.05.2018</a:t>
+              <a:t>27.05.2018</a:t>
             </a:fld>
             <a:endParaRPr lang="de-AT"/>
           </a:p>
@@ -2470,7 +2474,7 @@
           <a:p>
             <a:fld id="{4AD05B69-7CB8-45C6-B6F2-9CAB5F75BAF3}" type="slidenum">
               <a:rPr lang="de-AT" smtClean="0"/>
-              <a:t>‹#›</a:t>
+              <a:t>‹Nr.›</a:t>
             </a:fld>
             <a:endParaRPr lang="de-AT"/>
           </a:p>
@@ -2705,7 +2709,7 @@
           <a:p>
             <a:fld id="{0DC3815F-2D18-4841-A0AC-691AA37C9F11}" type="datetimeFigureOut">
               <a:rPr lang="de-AT" smtClean="0"/>
-              <a:t>25.05.2018</a:t>
+              <a:t>27.05.2018</a:t>
             </a:fld>
             <a:endParaRPr lang="de-AT"/>
           </a:p>
@@ -2759,7 +2763,7 @@
           <a:p>
             <a:fld id="{4AD05B69-7CB8-45C6-B6F2-9CAB5F75BAF3}" type="slidenum">
               <a:rPr lang="de-AT" smtClean="0"/>
-              <a:t>‹#›</a:t>
+              <a:t>‹Nr.›</a:t>
             </a:fld>
             <a:endParaRPr lang="de-AT"/>
           </a:p>
@@ -2948,7 +2952,7 @@
           <a:p>
             <a:fld id="{0DC3815F-2D18-4841-A0AC-691AA37C9F11}" type="datetimeFigureOut">
               <a:rPr lang="de-AT" smtClean="0"/>
-              <a:t>25.05.2018</a:t>
+              <a:t>27.05.2018</a:t>
             </a:fld>
             <a:endParaRPr lang="de-AT"/>
           </a:p>
@@ -3038,7 +3042,7 @@
           <a:p>
             <a:fld id="{4AD05B69-7CB8-45C6-B6F2-9CAB5F75BAF3}" type="slidenum">
               <a:rPr lang="de-AT" smtClean="0"/>
-              <a:t>‹#›</a:t>
+              <a:t>‹Nr.›</a:t>
             </a:fld>
             <a:endParaRPr lang="de-AT"/>
           </a:p>
@@ -4737,16 +4741,15 @@
           <a:p>
             <a:pPr lvl="1"/>
             <a:r>
-              <a:rPr lang="de-AT" dirty="0" err="1"/>
-              <a:t>Sensorikansteuerung</a:t>
-            </a:r>
-            <a:endParaRPr lang="de-AT" dirty="0"/>
+              <a:rPr lang="de-AT" dirty="0"/>
+              <a:t>Sensorik Ansteuerung</a:t>
+            </a:r>
           </a:p>
           <a:p>
             <a:pPr lvl="1"/>
             <a:r>
               <a:rPr lang="de-AT" dirty="0"/>
-              <a:t>Steuerung</a:t>
+              <a:t>Weitere benötigte Elektronik</a:t>
             </a:r>
           </a:p>
           <a:p>
@@ -4755,14 +4758,6 @@
               <a:rPr lang="de-AT" dirty="0"/>
               <a:t>Probleme</a:t>
             </a:r>
-          </a:p>
-          <a:p>
-            <a:pPr lvl="1"/>
-            <a:r>
-              <a:rPr lang="de-AT" dirty="0" err="1"/>
-              <a:t>Resumee</a:t>
-            </a:r>
-            <a:endParaRPr lang="de-AT" dirty="0"/>
           </a:p>
           <a:p>
             <a:r>
@@ -4782,6 +4777,480 @@
   <p:clrMapOvr>
     <a:masterClrMapping/>
   </p:clrMapOvr>
+  <p:timing>
+    <p:tnLst>
+      <p:par>
+        <p:cTn id="1" dur="indefinite" restart="never" nodeType="tmRoot">
+          <p:childTnLst>
+            <p:seq concurrent="1" nextAc="seek">
+              <p:cTn id="2" dur="indefinite" nodeType="mainSeq">
+                <p:childTnLst>
+                  <p:par>
+                    <p:cTn id="3" fill="hold">
+                      <p:stCondLst>
+                        <p:cond delay="indefinite"/>
+                      </p:stCondLst>
+                      <p:childTnLst>
+                        <p:par>
+                          <p:cTn id="4" fill="hold">
+                            <p:stCondLst>
+                              <p:cond delay="0"/>
+                            </p:stCondLst>
+                            <p:childTnLst>
+                              <p:par>
+                                <p:cTn id="5" presetID="1" presetClass="entr" presetSubtype="0" fill="hold" grpId="0" nodeType="clickEffect">
+                                  <p:stCondLst>
+                                    <p:cond delay="0"/>
+                                  </p:stCondLst>
+                                  <p:childTnLst>
+                                    <p:set>
+                                      <p:cBhvr>
+                                        <p:cTn id="6" dur="1" fill="hold">
+                                          <p:stCondLst>
+                                            <p:cond delay="0"/>
+                                          </p:stCondLst>
+                                        </p:cTn>
+                                        <p:tgtEl>
+                                          <p:spTgt spid="3">
+                                            <p:txEl>
+                                              <p:pRg st="0" end="0"/>
+                                            </p:txEl>
+                                          </p:spTgt>
+                                        </p:tgtEl>
+                                        <p:attrNameLst>
+                                          <p:attrName>style.visibility</p:attrName>
+                                        </p:attrNameLst>
+                                      </p:cBhvr>
+                                      <p:to>
+                                        <p:strVal val="visible"/>
+                                      </p:to>
+                                    </p:set>
+                                  </p:childTnLst>
+                                </p:cTn>
+                              </p:par>
+                            </p:childTnLst>
+                          </p:cTn>
+                        </p:par>
+                      </p:childTnLst>
+                    </p:cTn>
+                  </p:par>
+                  <p:par>
+                    <p:cTn id="7" fill="hold">
+                      <p:stCondLst>
+                        <p:cond delay="indefinite"/>
+                      </p:stCondLst>
+                      <p:childTnLst>
+                        <p:par>
+                          <p:cTn id="8" fill="hold">
+                            <p:stCondLst>
+                              <p:cond delay="0"/>
+                            </p:stCondLst>
+                            <p:childTnLst>
+                              <p:par>
+                                <p:cTn id="9" presetID="1" presetClass="entr" presetSubtype="0" fill="hold" grpId="0" nodeType="clickEffect">
+                                  <p:stCondLst>
+                                    <p:cond delay="0"/>
+                                  </p:stCondLst>
+                                  <p:childTnLst>
+                                    <p:set>
+                                      <p:cBhvr>
+                                        <p:cTn id="10" dur="1" fill="hold">
+                                          <p:stCondLst>
+                                            <p:cond delay="0"/>
+                                          </p:stCondLst>
+                                        </p:cTn>
+                                        <p:tgtEl>
+                                          <p:spTgt spid="3">
+                                            <p:txEl>
+                                              <p:pRg st="1" end="1"/>
+                                            </p:txEl>
+                                          </p:spTgt>
+                                        </p:tgtEl>
+                                        <p:attrNameLst>
+                                          <p:attrName>style.visibility</p:attrName>
+                                        </p:attrNameLst>
+                                      </p:cBhvr>
+                                      <p:to>
+                                        <p:strVal val="visible"/>
+                                      </p:to>
+                                    </p:set>
+                                  </p:childTnLst>
+                                </p:cTn>
+                              </p:par>
+                            </p:childTnLst>
+                          </p:cTn>
+                        </p:par>
+                      </p:childTnLst>
+                    </p:cTn>
+                  </p:par>
+                  <p:par>
+                    <p:cTn id="11" fill="hold">
+                      <p:stCondLst>
+                        <p:cond delay="indefinite"/>
+                      </p:stCondLst>
+                      <p:childTnLst>
+                        <p:par>
+                          <p:cTn id="12" fill="hold">
+                            <p:stCondLst>
+                              <p:cond delay="0"/>
+                            </p:stCondLst>
+                            <p:childTnLst>
+                              <p:par>
+                                <p:cTn id="13" presetID="1" presetClass="entr" presetSubtype="0" fill="hold" grpId="0" nodeType="clickEffect">
+                                  <p:stCondLst>
+                                    <p:cond delay="0"/>
+                                  </p:stCondLst>
+                                  <p:childTnLst>
+                                    <p:set>
+                                      <p:cBhvr>
+                                        <p:cTn id="14" dur="1" fill="hold">
+                                          <p:stCondLst>
+                                            <p:cond delay="0"/>
+                                          </p:stCondLst>
+                                        </p:cTn>
+                                        <p:tgtEl>
+                                          <p:spTgt spid="3">
+                                            <p:txEl>
+                                              <p:pRg st="2" end="2"/>
+                                            </p:txEl>
+                                          </p:spTgt>
+                                        </p:tgtEl>
+                                        <p:attrNameLst>
+                                          <p:attrName>style.visibility</p:attrName>
+                                        </p:attrNameLst>
+                                      </p:cBhvr>
+                                      <p:to>
+                                        <p:strVal val="visible"/>
+                                      </p:to>
+                                    </p:set>
+                                  </p:childTnLst>
+                                </p:cTn>
+                              </p:par>
+                            </p:childTnLst>
+                          </p:cTn>
+                        </p:par>
+                      </p:childTnLst>
+                    </p:cTn>
+                  </p:par>
+                  <p:par>
+                    <p:cTn id="15" fill="hold">
+                      <p:stCondLst>
+                        <p:cond delay="indefinite"/>
+                      </p:stCondLst>
+                      <p:childTnLst>
+                        <p:par>
+                          <p:cTn id="16" fill="hold">
+                            <p:stCondLst>
+                              <p:cond delay="0"/>
+                            </p:stCondLst>
+                            <p:childTnLst>
+                              <p:par>
+                                <p:cTn id="17" presetID="1" presetClass="entr" presetSubtype="0" fill="hold" grpId="0" nodeType="clickEffect">
+                                  <p:stCondLst>
+                                    <p:cond delay="0"/>
+                                  </p:stCondLst>
+                                  <p:childTnLst>
+                                    <p:set>
+                                      <p:cBhvr>
+                                        <p:cTn id="18" dur="1" fill="hold">
+                                          <p:stCondLst>
+                                            <p:cond delay="0"/>
+                                          </p:stCondLst>
+                                        </p:cTn>
+                                        <p:tgtEl>
+                                          <p:spTgt spid="3">
+                                            <p:txEl>
+                                              <p:pRg st="3" end="3"/>
+                                            </p:txEl>
+                                          </p:spTgt>
+                                        </p:tgtEl>
+                                        <p:attrNameLst>
+                                          <p:attrName>style.visibility</p:attrName>
+                                        </p:attrNameLst>
+                                      </p:cBhvr>
+                                      <p:to>
+                                        <p:strVal val="visible"/>
+                                      </p:to>
+                                    </p:set>
+                                  </p:childTnLst>
+                                </p:cTn>
+                              </p:par>
+                            </p:childTnLst>
+                          </p:cTn>
+                        </p:par>
+                      </p:childTnLst>
+                    </p:cTn>
+                  </p:par>
+                  <p:par>
+                    <p:cTn id="19" fill="hold">
+                      <p:stCondLst>
+                        <p:cond delay="indefinite"/>
+                      </p:stCondLst>
+                      <p:childTnLst>
+                        <p:par>
+                          <p:cTn id="20" fill="hold">
+                            <p:stCondLst>
+                              <p:cond delay="0"/>
+                            </p:stCondLst>
+                            <p:childTnLst>
+                              <p:par>
+                                <p:cTn id="21" presetID="1" presetClass="entr" presetSubtype="0" fill="hold" grpId="0" nodeType="clickEffect">
+                                  <p:stCondLst>
+                                    <p:cond delay="0"/>
+                                  </p:stCondLst>
+                                  <p:childTnLst>
+                                    <p:set>
+                                      <p:cBhvr>
+                                        <p:cTn id="22" dur="1" fill="hold">
+                                          <p:stCondLst>
+                                            <p:cond delay="0"/>
+                                          </p:stCondLst>
+                                        </p:cTn>
+                                        <p:tgtEl>
+                                          <p:spTgt spid="3">
+                                            <p:txEl>
+                                              <p:pRg st="4" end="4"/>
+                                            </p:txEl>
+                                          </p:spTgt>
+                                        </p:tgtEl>
+                                        <p:attrNameLst>
+                                          <p:attrName>style.visibility</p:attrName>
+                                        </p:attrNameLst>
+                                      </p:cBhvr>
+                                      <p:to>
+                                        <p:strVal val="visible"/>
+                                      </p:to>
+                                    </p:set>
+                                  </p:childTnLst>
+                                </p:cTn>
+                              </p:par>
+                            </p:childTnLst>
+                          </p:cTn>
+                        </p:par>
+                      </p:childTnLst>
+                    </p:cTn>
+                  </p:par>
+                  <p:par>
+                    <p:cTn id="23" fill="hold">
+                      <p:stCondLst>
+                        <p:cond delay="indefinite"/>
+                      </p:stCondLst>
+                      <p:childTnLst>
+                        <p:par>
+                          <p:cTn id="24" fill="hold">
+                            <p:stCondLst>
+                              <p:cond delay="0"/>
+                            </p:stCondLst>
+                            <p:childTnLst>
+                              <p:par>
+                                <p:cTn id="25" presetID="1" presetClass="entr" presetSubtype="0" fill="hold" grpId="0" nodeType="clickEffect">
+                                  <p:stCondLst>
+                                    <p:cond delay="0"/>
+                                  </p:stCondLst>
+                                  <p:childTnLst>
+                                    <p:set>
+                                      <p:cBhvr>
+                                        <p:cTn id="26" dur="1" fill="hold">
+                                          <p:stCondLst>
+                                            <p:cond delay="0"/>
+                                          </p:stCondLst>
+                                        </p:cTn>
+                                        <p:tgtEl>
+                                          <p:spTgt spid="3">
+                                            <p:txEl>
+                                              <p:pRg st="5" end="5"/>
+                                            </p:txEl>
+                                          </p:spTgt>
+                                        </p:tgtEl>
+                                        <p:attrNameLst>
+                                          <p:attrName>style.visibility</p:attrName>
+                                        </p:attrNameLst>
+                                      </p:cBhvr>
+                                      <p:to>
+                                        <p:strVal val="visible"/>
+                                      </p:to>
+                                    </p:set>
+                                  </p:childTnLst>
+                                </p:cTn>
+                              </p:par>
+                            </p:childTnLst>
+                          </p:cTn>
+                        </p:par>
+                      </p:childTnLst>
+                    </p:cTn>
+                  </p:par>
+                  <p:par>
+                    <p:cTn id="27" fill="hold">
+                      <p:stCondLst>
+                        <p:cond delay="indefinite"/>
+                      </p:stCondLst>
+                      <p:childTnLst>
+                        <p:par>
+                          <p:cTn id="28" fill="hold">
+                            <p:stCondLst>
+                              <p:cond delay="0"/>
+                            </p:stCondLst>
+                            <p:childTnLst>
+                              <p:par>
+                                <p:cTn id="29" presetID="1" presetClass="entr" presetSubtype="0" fill="hold" grpId="0" nodeType="clickEffect">
+                                  <p:stCondLst>
+                                    <p:cond delay="0"/>
+                                  </p:stCondLst>
+                                  <p:childTnLst>
+                                    <p:set>
+                                      <p:cBhvr>
+                                        <p:cTn id="30" dur="1" fill="hold">
+                                          <p:stCondLst>
+                                            <p:cond delay="0"/>
+                                          </p:stCondLst>
+                                        </p:cTn>
+                                        <p:tgtEl>
+                                          <p:spTgt spid="3">
+                                            <p:txEl>
+                                              <p:pRg st="6" end="6"/>
+                                            </p:txEl>
+                                          </p:spTgt>
+                                        </p:tgtEl>
+                                        <p:attrNameLst>
+                                          <p:attrName>style.visibility</p:attrName>
+                                        </p:attrNameLst>
+                                      </p:cBhvr>
+                                      <p:to>
+                                        <p:strVal val="visible"/>
+                                      </p:to>
+                                    </p:set>
+                                  </p:childTnLst>
+                                </p:cTn>
+                              </p:par>
+                            </p:childTnLst>
+                          </p:cTn>
+                        </p:par>
+                      </p:childTnLst>
+                    </p:cTn>
+                  </p:par>
+                  <p:par>
+                    <p:cTn id="31" fill="hold">
+                      <p:stCondLst>
+                        <p:cond delay="indefinite"/>
+                      </p:stCondLst>
+                      <p:childTnLst>
+                        <p:par>
+                          <p:cTn id="32" fill="hold">
+                            <p:stCondLst>
+                              <p:cond delay="0"/>
+                            </p:stCondLst>
+                            <p:childTnLst>
+                              <p:par>
+                                <p:cTn id="33" presetID="1" presetClass="entr" presetSubtype="0" fill="hold" grpId="0" nodeType="clickEffect">
+                                  <p:stCondLst>
+                                    <p:cond delay="0"/>
+                                  </p:stCondLst>
+                                  <p:childTnLst>
+                                    <p:set>
+                                      <p:cBhvr>
+                                        <p:cTn id="34" dur="1" fill="hold">
+                                          <p:stCondLst>
+                                            <p:cond delay="0"/>
+                                          </p:stCondLst>
+                                        </p:cTn>
+                                        <p:tgtEl>
+                                          <p:spTgt spid="3">
+                                            <p:txEl>
+                                              <p:pRg st="7" end="7"/>
+                                            </p:txEl>
+                                          </p:spTgt>
+                                        </p:tgtEl>
+                                        <p:attrNameLst>
+                                          <p:attrName>style.visibility</p:attrName>
+                                        </p:attrNameLst>
+                                      </p:cBhvr>
+                                      <p:to>
+                                        <p:strVal val="visible"/>
+                                      </p:to>
+                                    </p:set>
+                                  </p:childTnLst>
+                                </p:cTn>
+                              </p:par>
+                            </p:childTnLst>
+                          </p:cTn>
+                        </p:par>
+                      </p:childTnLst>
+                    </p:cTn>
+                  </p:par>
+                  <p:par>
+                    <p:cTn id="35" fill="hold">
+                      <p:stCondLst>
+                        <p:cond delay="indefinite"/>
+                      </p:stCondLst>
+                      <p:childTnLst>
+                        <p:par>
+                          <p:cTn id="36" fill="hold">
+                            <p:stCondLst>
+                              <p:cond delay="0"/>
+                            </p:stCondLst>
+                            <p:childTnLst>
+                              <p:par>
+                                <p:cTn id="37" presetID="1" presetClass="entr" presetSubtype="0" fill="hold" grpId="0" nodeType="clickEffect">
+                                  <p:stCondLst>
+                                    <p:cond delay="0"/>
+                                  </p:stCondLst>
+                                  <p:childTnLst>
+                                    <p:set>
+                                      <p:cBhvr>
+                                        <p:cTn id="38" dur="1" fill="hold">
+                                          <p:stCondLst>
+                                            <p:cond delay="0"/>
+                                          </p:stCondLst>
+                                        </p:cTn>
+                                        <p:tgtEl>
+                                          <p:spTgt spid="3">
+                                            <p:txEl>
+                                              <p:pRg st="8" end="8"/>
+                                            </p:txEl>
+                                          </p:spTgt>
+                                        </p:tgtEl>
+                                        <p:attrNameLst>
+                                          <p:attrName>style.visibility</p:attrName>
+                                        </p:attrNameLst>
+                                      </p:cBhvr>
+                                      <p:to>
+                                        <p:strVal val="visible"/>
+                                      </p:to>
+                                    </p:set>
+                                  </p:childTnLst>
+                                </p:cTn>
+                              </p:par>
+                            </p:childTnLst>
+                          </p:cTn>
+                        </p:par>
+                      </p:childTnLst>
+                    </p:cTn>
+                  </p:par>
+                </p:childTnLst>
+              </p:cTn>
+              <p:prevCondLst>
+                <p:cond evt="onPrev" delay="0">
+                  <p:tgtEl>
+                    <p:sldTgt/>
+                  </p:tgtEl>
+                </p:cond>
+              </p:prevCondLst>
+              <p:nextCondLst>
+                <p:cond evt="onNext" delay="0">
+                  <p:tgtEl>
+                    <p:sldTgt/>
+                  </p:tgtEl>
+                </p:cond>
+              </p:nextCondLst>
+            </p:seq>
+          </p:childTnLst>
+        </p:cTn>
+      </p:par>
+    </p:tnLst>
+    <p:bldLst>
+      <p:bldP spid="3" grpId="0" uiExpand="1" build="p"/>
+    </p:bldLst>
+  </p:timing>
 </p:sld>
 </file>
 
@@ -4924,6 +5393,235 @@
   <p:clrMapOvr>
     <a:masterClrMapping/>
   </p:clrMapOvr>
+  <p:timing>
+    <p:tnLst>
+      <p:par>
+        <p:cTn id="1" dur="indefinite" restart="never" nodeType="tmRoot">
+          <p:childTnLst>
+            <p:seq concurrent="1" nextAc="seek">
+              <p:cTn id="2" dur="indefinite" nodeType="mainSeq">
+                <p:childTnLst>
+                  <p:par>
+                    <p:cTn id="3" fill="hold">
+                      <p:stCondLst>
+                        <p:cond delay="indefinite"/>
+                      </p:stCondLst>
+                      <p:childTnLst>
+                        <p:par>
+                          <p:cTn id="4" fill="hold">
+                            <p:stCondLst>
+                              <p:cond delay="0"/>
+                            </p:stCondLst>
+                            <p:childTnLst>
+                              <p:par>
+                                <p:cTn id="5" presetID="1" presetClass="entr" presetSubtype="0" fill="hold" grpId="0" nodeType="clickEffect">
+                                  <p:stCondLst>
+                                    <p:cond delay="0"/>
+                                  </p:stCondLst>
+                                  <p:childTnLst>
+                                    <p:set>
+                                      <p:cBhvr>
+                                        <p:cTn id="6" dur="1" fill="hold">
+                                          <p:stCondLst>
+                                            <p:cond delay="0"/>
+                                          </p:stCondLst>
+                                        </p:cTn>
+                                        <p:tgtEl>
+                                          <p:spTgt spid="3">
+                                            <p:txEl>
+                                              <p:pRg st="0" end="0"/>
+                                            </p:txEl>
+                                          </p:spTgt>
+                                        </p:tgtEl>
+                                        <p:attrNameLst>
+                                          <p:attrName>style.visibility</p:attrName>
+                                        </p:attrNameLst>
+                                      </p:cBhvr>
+                                      <p:to>
+                                        <p:strVal val="visible"/>
+                                      </p:to>
+                                    </p:set>
+                                  </p:childTnLst>
+                                </p:cTn>
+                              </p:par>
+                            </p:childTnLst>
+                          </p:cTn>
+                        </p:par>
+                      </p:childTnLst>
+                    </p:cTn>
+                  </p:par>
+                  <p:par>
+                    <p:cTn id="7" fill="hold">
+                      <p:stCondLst>
+                        <p:cond delay="indefinite"/>
+                      </p:stCondLst>
+                      <p:childTnLst>
+                        <p:par>
+                          <p:cTn id="8" fill="hold">
+                            <p:stCondLst>
+                              <p:cond delay="0"/>
+                            </p:stCondLst>
+                            <p:childTnLst>
+                              <p:par>
+                                <p:cTn id="9" presetID="1" presetClass="entr" presetSubtype="0" fill="hold" grpId="0" nodeType="clickEffect">
+                                  <p:stCondLst>
+                                    <p:cond delay="0"/>
+                                  </p:stCondLst>
+                                  <p:childTnLst>
+                                    <p:set>
+                                      <p:cBhvr>
+                                        <p:cTn id="10" dur="1" fill="hold">
+                                          <p:stCondLst>
+                                            <p:cond delay="0"/>
+                                          </p:stCondLst>
+                                        </p:cTn>
+                                        <p:tgtEl>
+                                          <p:spTgt spid="3">
+                                            <p:txEl>
+                                              <p:pRg st="1" end="1"/>
+                                            </p:txEl>
+                                          </p:spTgt>
+                                        </p:tgtEl>
+                                        <p:attrNameLst>
+                                          <p:attrName>style.visibility</p:attrName>
+                                        </p:attrNameLst>
+                                      </p:cBhvr>
+                                      <p:to>
+                                        <p:strVal val="visible"/>
+                                      </p:to>
+                                    </p:set>
+                                  </p:childTnLst>
+                                </p:cTn>
+                              </p:par>
+                            </p:childTnLst>
+                          </p:cTn>
+                        </p:par>
+                      </p:childTnLst>
+                    </p:cTn>
+                  </p:par>
+                  <p:par>
+                    <p:cTn id="11" fill="hold">
+                      <p:stCondLst>
+                        <p:cond delay="indefinite"/>
+                      </p:stCondLst>
+                      <p:childTnLst>
+                        <p:par>
+                          <p:cTn id="12" fill="hold">
+                            <p:stCondLst>
+                              <p:cond delay="0"/>
+                            </p:stCondLst>
+                            <p:childTnLst>
+                              <p:par>
+                                <p:cTn id="13" presetID="1" presetClass="entr" presetSubtype="0" fill="hold" grpId="0" nodeType="clickEffect">
+                                  <p:stCondLst>
+                                    <p:cond delay="0"/>
+                                  </p:stCondLst>
+                                  <p:childTnLst>
+                                    <p:set>
+                                      <p:cBhvr>
+                                        <p:cTn id="14" dur="1" fill="hold">
+                                          <p:stCondLst>
+                                            <p:cond delay="0"/>
+                                          </p:stCondLst>
+                                        </p:cTn>
+                                        <p:tgtEl>
+                                          <p:spTgt spid="3">
+                                            <p:txEl>
+                                              <p:pRg st="2" end="2"/>
+                                            </p:txEl>
+                                          </p:spTgt>
+                                        </p:tgtEl>
+                                        <p:attrNameLst>
+                                          <p:attrName>style.visibility</p:attrName>
+                                        </p:attrNameLst>
+                                      </p:cBhvr>
+                                      <p:to>
+                                        <p:strVal val="visible"/>
+                                      </p:to>
+                                    </p:set>
+                                  </p:childTnLst>
+                                </p:cTn>
+                              </p:par>
+                            </p:childTnLst>
+                          </p:cTn>
+                        </p:par>
+                      </p:childTnLst>
+                    </p:cTn>
+                  </p:par>
+                  <p:par>
+                    <p:cTn id="15" fill="hold">
+                      <p:stCondLst>
+                        <p:cond delay="indefinite"/>
+                      </p:stCondLst>
+                      <p:childTnLst>
+                        <p:par>
+                          <p:cTn id="16" fill="hold">
+                            <p:stCondLst>
+                              <p:cond delay="0"/>
+                            </p:stCondLst>
+                            <p:childTnLst>
+                              <p:par>
+                                <p:cTn id="17" presetID="1" presetClass="entr" presetSubtype="0" fill="hold" grpId="0" nodeType="clickEffect">
+                                  <p:stCondLst>
+                                    <p:cond delay="0"/>
+                                  </p:stCondLst>
+                                  <p:childTnLst>
+                                    <p:set>
+                                      <p:cBhvr>
+                                        <p:cTn id="18" dur="1" fill="hold">
+                                          <p:stCondLst>
+                                            <p:cond delay="0"/>
+                                          </p:stCondLst>
+                                        </p:cTn>
+                                        <p:tgtEl>
+                                          <p:spTgt spid="3">
+                                            <p:txEl>
+                                              <p:pRg st="3" end="3"/>
+                                            </p:txEl>
+                                          </p:spTgt>
+                                        </p:tgtEl>
+                                        <p:attrNameLst>
+                                          <p:attrName>style.visibility</p:attrName>
+                                        </p:attrNameLst>
+                                      </p:cBhvr>
+                                      <p:to>
+                                        <p:strVal val="visible"/>
+                                      </p:to>
+                                    </p:set>
+                                  </p:childTnLst>
+                                </p:cTn>
+                              </p:par>
+                            </p:childTnLst>
+                          </p:cTn>
+                        </p:par>
+                      </p:childTnLst>
+                    </p:cTn>
+                  </p:par>
+                </p:childTnLst>
+              </p:cTn>
+              <p:prevCondLst>
+                <p:cond evt="onPrev" delay="0">
+                  <p:tgtEl>
+                    <p:sldTgt/>
+                  </p:tgtEl>
+                </p:cond>
+              </p:prevCondLst>
+              <p:nextCondLst>
+                <p:cond evt="onNext" delay="0">
+                  <p:tgtEl>
+                    <p:sldTgt/>
+                  </p:tgtEl>
+                </p:cond>
+              </p:nextCondLst>
+            </p:seq>
+          </p:childTnLst>
+        </p:cTn>
+      </p:par>
+    </p:tnLst>
+    <p:bldLst>
+      <p:bldP spid="3" grpId="0" build="p"/>
+    </p:bldLst>
+  </p:timing>
 </p:sld>
 </file>
 
@@ -5058,6 +5756,168 @@
   <p:clrMapOvr>
     <a:masterClrMapping/>
   </p:clrMapOvr>
+  <p:timing>
+    <p:tnLst>
+      <p:par>
+        <p:cTn id="1" dur="indefinite" restart="never" nodeType="tmRoot">
+          <p:childTnLst>
+            <p:seq concurrent="1" nextAc="seek">
+              <p:cTn id="2" dur="indefinite" nodeType="mainSeq">
+                <p:childTnLst>
+                  <p:par>
+                    <p:cTn id="3" fill="hold">
+                      <p:stCondLst>
+                        <p:cond delay="indefinite"/>
+                      </p:stCondLst>
+                      <p:childTnLst>
+                        <p:par>
+                          <p:cTn id="4" fill="hold">
+                            <p:stCondLst>
+                              <p:cond delay="0"/>
+                            </p:stCondLst>
+                            <p:childTnLst>
+                              <p:par>
+                                <p:cTn id="5" presetID="1" presetClass="entr" presetSubtype="0" fill="hold" grpId="0" nodeType="clickEffect">
+                                  <p:stCondLst>
+                                    <p:cond delay="0"/>
+                                  </p:stCondLst>
+                                  <p:childTnLst>
+                                    <p:set>
+                                      <p:cBhvr>
+                                        <p:cTn id="6" dur="1" fill="hold">
+                                          <p:stCondLst>
+                                            <p:cond delay="0"/>
+                                          </p:stCondLst>
+                                        </p:cTn>
+                                        <p:tgtEl>
+                                          <p:spTgt spid="3">
+                                            <p:txEl>
+                                              <p:pRg st="0" end="0"/>
+                                            </p:txEl>
+                                          </p:spTgt>
+                                        </p:tgtEl>
+                                        <p:attrNameLst>
+                                          <p:attrName>style.visibility</p:attrName>
+                                        </p:attrNameLst>
+                                      </p:cBhvr>
+                                      <p:to>
+                                        <p:strVal val="visible"/>
+                                      </p:to>
+                                    </p:set>
+                                  </p:childTnLst>
+                                </p:cTn>
+                              </p:par>
+                              <p:par>
+                                <p:cTn id="7" presetID="1" presetClass="entr" presetSubtype="0" fill="hold" grpId="0" nodeType="withEffect">
+                                  <p:stCondLst>
+                                    <p:cond delay="0"/>
+                                  </p:stCondLst>
+                                  <p:childTnLst>
+                                    <p:set>
+                                      <p:cBhvr>
+                                        <p:cTn id="8" dur="1" fill="hold">
+                                          <p:stCondLst>
+                                            <p:cond delay="0"/>
+                                          </p:stCondLst>
+                                        </p:cTn>
+                                        <p:tgtEl>
+                                          <p:spTgt spid="3">
+                                            <p:txEl>
+                                              <p:pRg st="1" end="1"/>
+                                            </p:txEl>
+                                          </p:spTgt>
+                                        </p:tgtEl>
+                                        <p:attrNameLst>
+                                          <p:attrName>style.visibility</p:attrName>
+                                        </p:attrNameLst>
+                                      </p:cBhvr>
+                                      <p:to>
+                                        <p:strVal val="visible"/>
+                                      </p:to>
+                                    </p:set>
+                                  </p:childTnLst>
+                                </p:cTn>
+                              </p:par>
+                            </p:childTnLst>
+                          </p:cTn>
+                        </p:par>
+                      </p:childTnLst>
+                    </p:cTn>
+                  </p:par>
+                  <p:par>
+                    <p:cTn id="9" fill="hold">
+                      <p:stCondLst>
+                        <p:cond delay="indefinite"/>
+                      </p:stCondLst>
+                      <p:childTnLst>
+                        <p:par>
+                          <p:cTn id="10" fill="hold">
+                            <p:stCondLst>
+                              <p:cond delay="0"/>
+                            </p:stCondLst>
+                            <p:childTnLst>
+                              <p:par>
+                                <p:cTn id="11" presetID="1" presetClass="entr" presetSubtype="0" fill="hold" grpId="0" nodeType="clickEffect">
+                                  <p:stCondLst>
+                                    <p:cond delay="0"/>
+                                  </p:stCondLst>
+                                  <p:childTnLst>
+                                    <p:set>
+                                      <p:cBhvr>
+                                        <p:cTn id="12" dur="1" fill="hold">
+                                          <p:stCondLst>
+                                            <p:cond delay="0"/>
+                                          </p:stCondLst>
+                                        </p:cTn>
+                                        <p:tgtEl>
+                                          <p:spTgt spid="3">
+                                            <p:txEl>
+                                              <p:pRg st="2" end="2"/>
+                                            </p:txEl>
+                                          </p:spTgt>
+                                        </p:tgtEl>
+                                        <p:attrNameLst>
+                                          <p:attrName>style.visibility</p:attrName>
+                                        </p:attrNameLst>
+                                      </p:cBhvr>
+                                      <p:to>
+                                        <p:strVal val="visible"/>
+                                      </p:to>
+                                    </p:set>
+                                  </p:childTnLst>
+                                </p:cTn>
+                              </p:par>
+                            </p:childTnLst>
+                          </p:cTn>
+                        </p:par>
+                      </p:childTnLst>
+                    </p:cTn>
+                  </p:par>
+                </p:childTnLst>
+              </p:cTn>
+              <p:prevCondLst>
+                <p:cond evt="onPrev" delay="0">
+                  <p:tgtEl>
+                    <p:sldTgt/>
+                  </p:tgtEl>
+                </p:cond>
+              </p:prevCondLst>
+              <p:nextCondLst>
+                <p:cond evt="onNext" delay="0">
+                  <p:tgtEl>
+                    <p:sldTgt/>
+                  </p:tgtEl>
+                </p:cond>
+              </p:nextCondLst>
+            </p:seq>
+          </p:childTnLst>
+        </p:cTn>
+      </p:par>
+    </p:tnLst>
+    <p:bldLst>
+      <p:bldP spid="3" grpId="0" build="p"/>
+    </p:bldLst>
+  </p:timing>
 </p:sld>
 </file>
 
@@ -5195,6 +6055,168 @@
   <p:clrMapOvr>
     <a:masterClrMapping/>
   </p:clrMapOvr>
+  <p:timing>
+    <p:tnLst>
+      <p:par>
+        <p:cTn id="1" dur="indefinite" restart="never" nodeType="tmRoot">
+          <p:childTnLst>
+            <p:seq concurrent="1" nextAc="seek">
+              <p:cTn id="2" dur="indefinite" nodeType="mainSeq">
+                <p:childTnLst>
+                  <p:par>
+                    <p:cTn id="3" fill="hold">
+                      <p:stCondLst>
+                        <p:cond delay="indefinite"/>
+                      </p:stCondLst>
+                      <p:childTnLst>
+                        <p:par>
+                          <p:cTn id="4" fill="hold">
+                            <p:stCondLst>
+                              <p:cond delay="0"/>
+                            </p:stCondLst>
+                            <p:childTnLst>
+                              <p:par>
+                                <p:cTn id="5" presetID="1" presetClass="entr" presetSubtype="0" fill="hold" grpId="0" nodeType="clickEffect">
+                                  <p:stCondLst>
+                                    <p:cond delay="0"/>
+                                  </p:stCondLst>
+                                  <p:childTnLst>
+                                    <p:set>
+                                      <p:cBhvr>
+                                        <p:cTn id="6" dur="1" fill="hold">
+                                          <p:stCondLst>
+                                            <p:cond delay="0"/>
+                                          </p:stCondLst>
+                                        </p:cTn>
+                                        <p:tgtEl>
+                                          <p:spTgt spid="3">
+                                            <p:txEl>
+                                              <p:pRg st="0" end="0"/>
+                                            </p:txEl>
+                                          </p:spTgt>
+                                        </p:tgtEl>
+                                        <p:attrNameLst>
+                                          <p:attrName>style.visibility</p:attrName>
+                                        </p:attrNameLst>
+                                      </p:cBhvr>
+                                      <p:to>
+                                        <p:strVal val="visible"/>
+                                      </p:to>
+                                    </p:set>
+                                  </p:childTnLst>
+                                </p:cTn>
+                              </p:par>
+                              <p:par>
+                                <p:cTn id="7" presetID="1" presetClass="entr" presetSubtype="0" fill="hold" grpId="0" nodeType="withEffect">
+                                  <p:stCondLst>
+                                    <p:cond delay="0"/>
+                                  </p:stCondLst>
+                                  <p:childTnLst>
+                                    <p:set>
+                                      <p:cBhvr>
+                                        <p:cTn id="8" dur="1" fill="hold">
+                                          <p:stCondLst>
+                                            <p:cond delay="0"/>
+                                          </p:stCondLst>
+                                        </p:cTn>
+                                        <p:tgtEl>
+                                          <p:spTgt spid="3">
+                                            <p:txEl>
+                                              <p:pRg st="1" end="1"/>
+                                            </p:txEl>
+                                          </p:spTgt>
+                                        </p:tgtEl>
+                                        <p:attrNameLst>
+                                          <p:attrName>style.visibility</p:attrName>
+                                        </p:attrNameLst>
+                                      </p:cBhvr>
+                                      <p:to>
+                                        <p:strVal val="visible"/>
+                                      </p:to>
+                                    </p:set>
+                                  </p:childTnLst>
+                                </p:cTn>
+                              </p:par>
+                            </p:childTnLst>
+                          </p:cTn>
+                        </p:par>
+                      </p:childTnLst>
+                    </p:cTn>
+                  </p:par>
+                  <p:par>
+                    <p:cTn id="9" fill="hold">
+                      <p:stCondLst>
+                        <p:cond delay="indefinite"/>
+                      </p:stCondLst>
+                      <p:childTnLst>
+                        <p:par>
+                          <p:cTn id="10" fill="hold">
+                            <p:stCondLst>
+                              <p:cond delay="0"/>
+                            </p:stCondLst>
+                            <p:childTnLst>
+                              <p:par>
+                                <p:cTn id="11" presetID="1" presetClass="entr" presetSubtype="0" fill="hold" grpId="0" nodeType="clickEffect">
+                                  <p:stCondLst>
+                                    <p:cond delay="0"/>
+                                  </p:stCondLst>
+                                  <p:childTnLst>
+                                    <p:set>
+                                      <p:cBhvr>
+                                        <p:cTn id="12" dur="1" fill="hold">
+                                          <p:stCondLst>
+                                            <p:cond delay="0"/>
+                                          </p:stCondLst>
+                                        </p:cTn>
+                                        <p:tgtEl>
+                                          <p:spTgt spid="3">
+                                            <p:txEl>
+                                              <p:pRg st="2" end="2"/>
+                                            </p:txEl>
+                                          </p:spTgt>
+                                        </p:tgtEl>
+                                        <p:attrNameLst>
+                                          <p:attrName>style.visibility</p:attrName>
+                                        </p:attrNameLst>
+                                      </p:cBhvr>
+                                      <p:to>
+                                        <p:strVal val="visible"/>
+                                      </p:to>
+                                    </p:set>
+                                  </p:childTnLst>
+                                </p:cTn>
+                              </p:par>
+                            </p:childTnLst>
+                          </p:cTn>
+                        </p:par>
+                      </p:childTnLst>
+                    </p:cTn>
+                  </p:par>
+                </p:childTnLst>
+              </p:cTn>
+              <p:prevCondLst>
+                <p:cond evt="onPrev" delay="0">
+                  <p:tgtEl>
+                    <p:sldTgt/>
+                  </p:tgtEl>
+                </p:cond>
+              </p:prevCondLst>
+              <p:nextCondLst>
+                <p:cond evt="onNext" delay="0">
+                  <p:tgtEl>
+                    <p:sldTgt/>
+                  </p:tgtEl>
+                </p:cond>
+              </p:nextCondLst>
+            </p:seq>
+          </p:childTnLst>
+        </p:cTn>
+      </p:par>
+    </p:tnLst>
+    <p:bldLst>
+      <p:bldP spid="3" grpId="0" build="p"/>
+    </p:bldLst>
+  </p:timing>
 </p:sld>
 </file>
 
@@ -5380,6 +6402,284 @@
   <p:clrMapOvr>
     <a:masterClrMapping/>
   </p:clrMapOvr>
+  <p:timing>
+    <p:tnLst>
+      <p:par>
+        <p:cTn id="1" dur="indefinite" restart="never" nodeType="tmRoot">
+          <p:childTnLst>
+            <p:seq concurrent="1" nextAc="seek">
+              <p:cTn id="2" dur="indefinite" nodeType="mainSeq">
+                <p:childTnLst>
+                  <p:par>
+                    <p:cTn id="3" fill="hold">
+                      <p:stCondLst>
+                        <p:cond delay="indefinite"/>
+                      </p:stCondLst>
+                      <p:childTnLst>
+                        <p:par>
+                          <p:cTn id="4" fill="hold">
+                            <p:stCondLst>
+                              <p:cond delay="0"/>
+                            </p:stCondLst>
+                            <p:childTnLst>
+                              <p:par>
+                                <p:cTn id="5" presetID="1" presetClass="entr" presetSubtype="0" fill="hold" grpId="0" nodeType="clickEffect">
+                                  <p:stCondLst>
+                                    <p:cond delay="0"/>
+                                  </p:stCondLst>
+                                  <p:childTnLst>
+                                    <p:set>
+                                      <p:cBhvr>
+                                        <p:cTn id="6" dur="1" fill="hold">
+                                          <p:stCondLst>
+                                            <p:cond delay="0"/>
+                                          </p:stCondLst>
+                                        </p:cTn>
+                                        <p:tgtEl>
+                                          <p:spTgt spid="3">
+                                            <p:txEl>
+                                              <p:pRg st="0" end="0"/>
+                                            </p:txEl>
+                                          </p:spTgt>
+                                        </p:tgtEl>
+                                        <p:attrNameLst>
+                                          <p:attrName>style.visibility</p:attrName>
+                                        </p:attrNameLst>
+                                      </p:cBhvr>
+                                      <p:to>
+                                        <p:strVal val="visible"/>
+                                      </p:to>
+                                    </p:set>
+                                  </p:childTnLst>
+                                </p:cTn>
+                              </p:par>
+                            </p:childTnLst>
+                          </p:cTn>
+                        </p:par>
+                      </p:childTnLst>
+                    </p:cTn>
+                  </p:par>
+                  <p:par>
+                    <p:cTn id="7" fill="hold">
+                      <p:stCondLst>
+                        <p:cond delay="indefinite"/>
+                      </p:stCondLst>
+                      <p:childTnLst>
+                        <p:par>
+                          <p:cTn id="8" fill="hold">
+                            <p:stCondLst>
+                              <p:cond delay="0"/>
+                            </p:stCondLst>
+                            <p:childTnLst>
+                              <p:par>
+                                <p:cTn id="9" presetID="1" presetClass="entr" presetSubtype="0" fill="hold" grpId="0" nodeType="clickEffect">
+                                  <p:stCondLst>
+                                    <p:cond delay="0"/>
+                                  </p:stCondLst>
+                                  <p:childTnLst>
+                                    <p:set>
+                                      <p:cBhvr>
+                                        <p:cTn id="10" dur="1" fill="hold">
+                                          <p:stCondLst>
+                                            <p:cond delay="0"/>
+                                          </p:stCondLst>
+                                        </p:cTn>
+                                        <p:tgtEl>
+                                          <p:spTgt spid="3">
+                                            <p:txEl>
+                                              <p:pRg st="1" end="1"/>
+                                            </p:txEl>
+                                          </p:spTgt>
+                                        </p:tgtEl>
+                                        <p:attrNameLst>
+                                          <p:attrName>style.visibility</p:attrName>
+                                        </p:attrNameLst>
+                                      </p:cBhvr>
+                                      <p:to>
+                                        <p:strVal val="visible"/>
+                                      </p:to>
+                                    </p:set>
+                                  </p:childTnLst>
+                                </p:cTn>
+                              </p:par>
+                            </p:childTnLst>
+                          </p:cTn>
+                        </p:par>
+                      </p:childTnLst>
+                    </p:cTn>
+                  </p:par>
+                  <p:par>
+                    <p:cTn id="11" fill="hold">
+                      <p:stCondLst>
+                        <p:cond delay="indefinite"/>
+                      </p:stCondLst>
+                      <p:childTnLst>
+                        <p:par>
+                          <p:cTn id="12" fill="hold">
+                            <p:stCondLst>
+                              <p:cond delay="0"/>
+                            </p:stCondLst>
+                            <p:childTnLst>
+                              <p:par>
+                                <p:cTn id="13" presetID="1" presetClass="entr" presetSubtype="0" fill="hold" grpId="0" nodeType="clickEffect">
+                                  <p:stCondLst>
+                                    <p:cond delay="0"/>
+                                  </p:stCondLst>
+                                  <p:childTnLst>
+                                    <p:set>
+                                      <p:cBhvr>
+                                        <p:cTn id="14" dur="1" fill="hold">
+                                          <p:stCondLst>
+                                            <p:cond delay="0"/>
+                                          </p:stCondLst>
+                                        </p:cTn>
+                                        <p:tgtEl>
+                                          <p:spTgt spid="3">
+                                            <p:txEl>
+                                              <p:pRg st="2" end="2"/>
+                                            </p:txEl>
+                                          </p:spTgt>
+                                        </p:tgtEl>
+                                        <p:attrNameLst>
+                                          <p:attrName>style.visibility</p:attrName>
+                                        </p:attrNameLst>
+                                      </p:cBhvr>
+                                      <p:to>
+                                        <p:strVal val="visible"/>
+                                      </p:to>
+                                    </p:set>
+                                  </p:childTnLst>
+                                </p:cTn>
+                              </p:par>
+                            </p:childTnLst>
+                          </p:cTn>
+                        </p:par>
+                      </p:childTnLst>
+                    </p:cTn>
+                  </p:par>
+                  <p:par>
+                    <p:cTn id="15" fill="hold">
+                      <p:stCondLst>
+                        <p:cond delay="indefinite"/>
+                      </p:stCondLst>
+                      <p:childTnLst>
+                        <p:par>
+                          <p:cTn id="16" fill="hold">
+                            <p:stCondLst>
+                              <p:cond delay="0"/>
+                            </p:stCondLst>
+                            <p:childTnLst>
+                              <p:par>
+                                <p:cTn id="17" presetID="1" presetClass="entr" presetSubtype="0" fill="hold" grpId="0" nodeType="clickEffect">
+                                  <p:stCondLst>
+                                    <p:cond delay="0"/>
+                                  </p:stCondLst>
+                                  <p:childTnLst>
+                                    <p:set>
+                                      <p:cBhvr>
+                                        <p:cTn id="18" dur="1" fill="hold">
+                                          <p:stCondLst>
+                                            <p:cond delay="0"/>
+                                          </p:stCondLst>
+                                        </p:cTn>
+                                        <p:tgtEl>
+                                          <p:spTgt spid="3">
+                                            <p:txEl>
+                                              <p:pRg st="3" end="3"/>
+                                            </p:txEl>
+                                          </p:spTgt>
+                                        </p:tgtEl>
+                                        <p:attrNameLst>
+                                          <p:attrName>style.visibility</p:attrName>
+                                        </p:attrNameLst>
+                                      </p:cBhvr>
+                                      <p:to>
+                                        <p:strVal val="visible"/>
+                                      </p:to>
+                                    </p:set>
+                                  </p:childTnLst>
+                                </p:cTn>
+                              </p:par>
+                            </p:childTnLst>
+                          </p:cTn>
+                        </p:par>
+                      </p:childTnLst>
+                    </p:cTn>
+                  </p:par>
+                  <p:par>
+                    <p:cTn id="19" fill="hold">
+                      <p:stCondLst>
+                        <p:cond delay="indefinite"/>
+                      </p:stCondLst>
+                      <p:childTnLst>
+                        <p:par>
+                          <p:cTn id="20" fill="hold">
+                            <p:stCondLst>
+                              <p:cond delay="0"/>
+                            </p:stCondLst>
+                            <p:childTnLst>
+                              <p:par>
+                                <p:cTn id="21" presetID="1" presetClass="entr" presetSubtype="0" fill="hold" grpId="0" nodeType="clickEffect">
+                                  <p:stCondLst>
+                                    <p:cond delay="0"/>
+                                  </p:stCondLst>
+                                  <p:childTnLst>
+                                    <p:set>
+                                      <p:cBhvr>
+                                        <p:cTn id="22" dur="1" fill="hold">
+                                          <p:stCondLst>
+                                            <p:cond delay="0"/>
+                                          </p:stCondLst>
+                                        </p:cTn>
+                                        <p:tgtEl>
+                                          <p:spTgt spid="3">
+                                            <p:txEl>
+                                              <p:pRg st="4" end="4"/>
+                                            </p:txEl>
+                                          </p:spTgt>
+                                        </p:tgtEl>
+                                        <p:attrNameLst>
+                                          <p:attrName>style.visibility</p:attrName>
+                                        </p:attrNameLst>
+                                      </p:cBhvr>
+                                      <p:to>
+                                        <p:strVal val="visible"/>
+                                      </p:to>
+                                    </p:set>
+                                  </p:childTnLst>
+                                </p:cTn>
+                              </p:par>
+                            </p:childTnLst>
+                          </p:cTn>
+                        </p:par>
+                      </p:childTnLst>
+                    </p:cTn>
+                  </p:par>
+                </p:childTnLst>
+              </p:cTn>
+              <p:prevCondLst>
+                <p:cond evt="onPrev" delay="0">
+                  <p:tgtEl>
+                    <p:sldTgt/>
+                  </p:tgtEl>
+                </p:cond>
+              </p:prevCondLst>
+              <p:nextCondLst>
+                <p:cond evt="onNext" delay="0">
+                  <p:tgtEl>
+                    <p:sldTgt/>
+                  </p:tgtEl>
+                </p:cond>
+              </p:nextCondLst>
+            </p:seq>
+          </p:childTnLst>
+        </p:cTn>
+      </p:par>
+    </p:tnLst>
+    <p:bldLst>
+      <p:bldP spid="3" grpId="0" build="p"/>
+    </p:bldLst>
+  </p:timing>
 </p:sld>
 </file>
 
@@ -5585,6 +6885,186 @@
   <p:clrMapOvr>
     <a:masterClrMapping/>
   </p:clrMapOvr>
+  <p:timing>
+    <p:tnLst>
+      <p:par>
+        <p:cTn id="1" dur="indefinite" restart="never" nodeType="tmRoot">
+          <p:childTnLst>
+            <p:seq concurrent="1" nextAc="seek">
+              <p:cTn id="2" dur="indefinite" nodeType="mainSeq">
+                <p:childTnLst>
+                  <p:par>
+                    <p:cTn id="3" fill="hold">
+                      <p:stCondLst>
+                        <p:cond delay="indefinite"/>
+                      </p:stCondLst>
+                      <p:childTnLst>
+                        <p:par>
+                          <p:cTn id="4" fill="hold">
+                            <p:stCondLst>
+                              <p:cond delay="0"/>
+                            </p:stCondLst>
+                            <p:childTnLst>
+                              <p:par>
+                                <p:cTn id="5" presetID="1" presetClass="entr" presetSubtype="0" fill="hold" grpId="0" nodeType="clickEffect">
+                                  <p:stCondLst>
+                                    <p:cond delay="0"/>
+                                  </p:stCondLst>
+                                  <p:childTnLst>
+                                    <p:set>
+                                      <p:cBhvr>
+                                        <p:cTn id="6" dur="1" fill="hold">
+                                          <p:stCondLst>
+                                            <p:cond delay="0"/>
+                                          </p:stCondLst>
+                                        </p:cTn>
+                                        <p:tgtEl>
+                                          <p:spTgt spid="3">
+                                            <p:txEl>
+                                              <p:pRg st="0" end="0"/>
+                                            </p:txEl>
+                                          </p:spTgt>
+                                        </p:tgtEl>
+                                        <p:attrNameLst>
+                                          <p:attrName>style.visibility</p:attrName>
+                                        </p:attrNameLst>
+                                      </p:cBhvr>
+                                      <p:to>
+                                        <p:strVal val="visible"/>
+                                      </p:to>
+                                    </p:set>
+                                  </p:childTnLst>
+                                </p:cTn>
+                              </p:par>
+                            </p:childTnLst>
+                          </p:cTn>
+                        </p:par>
+                      </p:childTnLst>
+                    </p:cTn>
+                  </p:par>
+                  <p:par>
+                    <p:cTn id="7" fill="hold">
+                      <p:stCondLst>
+                        <p:cond delay="indefinite"/>
+                      </p:stCondLst>
+                      <p:childTnLst>
+                        <p:par>
+                          <p:cTn id="8" fill="hold">
+                            <p:stCondLst>
+                              <p:cond delay="0"/>
+                            </p:stCondLst>
+                            <p:childTnLst>
+                              <p:par>
+                                <p:cTn id="9" presetID="1" presetClass="entr" presetSubtype="0" fill="hold" grpId="0" nodeType="clickEffect">
+                                  <p:stCondLst>
+                                    <p:cond delay="0"/>
+                                  </p:stCondLst>
+                                  <p:childTnLst>
+                                    <p:set>
+                                      <p:cBhvr>
+                                        <p:cTn id="10" dur="1" fill="hold">
+                                          <p:stCondLst>
+                                            <p:cond delay="0"/>
+                                          </p:stCondLst>
+                                        </p:cTn>
+                                        <p:tgtEl>
+                                          <p:spTgt spid="3">
+                                            <p:txEl>
+                                              <p:pRg st="1" end="1"/>
+                                            </p:txEl>
+                                          </p:spTgt>
+                                        </p:tgtEl>
+                                        <p:attrNameLst>
+                                          <p:attrName>style.visibility</p:attrName>
+                                        </p:attrNameLst>
+                                      </p:cBhvr>
+                                      <p:to>
+                                        <p:strVal val="visible"/>
+                                      </p:to>
+                                    </p:set>
+                                  </p:childTnLst>
+                                </p:cTn>
+                              </p:par>
+                            </p:childTnLst>
+                          </p:cTn>
+                        </p:par>
+                      </p:childTnLst>
+                    </p:cTn>
+                  </p:par>
+                  <p:par>
+                    <p:cTn id="11" fill="hold">
+                      <p:stCondLst>
+                        <p:cond delay="indefinite"/>
+                      </p:stCondLst>
+                      <p:childTnLst>
+                        <p:par>
+                          <p:cTn id="12" fill="hold">
+                            <p:stCondLst>
+                              <p:cond delay="0"/>
+                            </p:stCondLst>
+                            <p:childTnLst>
+                              <p:par>
+                                <p:cTn id="13" presetID="1" presetClass="entr" presetSubtype="0" fill="hold" grpId="0" nodeType="clickEffect">
+                                  <p:stCondLst>
+                                    <p:cond delay="0"/>
+                                  </p:stCondLst>
+                                  <p:childTnLst>
+                                    <p:set>
+                                      <p:cBhvr>
+                                        <p:cTn id="14" dur="1" fill="hold">
+                                          <p:stCondLst>
+                                            <p:cond delay="0"/>
+                                          </p:stCondLst>
+                                        </p:cTn>
+                                        <p:tgtEl>
+                                          <p:spTgt spid="3">
+                                            <p:txEl>
+                                              <p:pRg st="2" end="2"/>
+                                            </p:txEl>
+                                          </p:spTgt>
+                                        </p:tgtEl>
+                                        <p:attrNameLst>
+                                          <p:attrName>style.visibility</p:attrName>
+                                        </p:attrNameLst>
+                                      </p:cBhvr>
+                                      <p:to>
+                                        <p:strVal val="visible"/>
+                                      </p:to>
+                                    </p:set>
+                                  </p:childTnLst>
+                                </p:cTn>
+                              </p:par>
+                            </p:childTnLst>
+                          </p:cTn>
+                        </p:par>
+                      </p:childTnLst>
+                    </p:cTn>
+                  </p:par>
+                </p:childTnLst>
+              </p:cTn>
+              <p:prevCondLst>
+                <p:cond evt="onPrev" delay="0">
+                  <p:tgtEl>
+                    <p:sldTgt/>
+                  </p:tgtEl>
+                </p:cond>
+              </p:prevCondLst>
+              <p:nextCondLst>
+                <p:cond evt="onNext" delay="0">
+                  <p:tgtEl>
+                    <p:sldTgt/>
+                  </p:tgtEl>
+                </p:cond>
+              </p:nextCondLst>
+            </p:seq>
+          </p:childTnLst>
+        </p:cTn>
+      </p:par>
+    </p:tnLst>
+    <p:bldLst>
+      <p:bldP spid="3" grpId="0" build="p"/>
+    </p:bldLst>
+  </p:timing>
 </p:sld>
 </file>
 
@@ -5658,40 +7138,45 @@
         </p:nvSpPr>
         <p:spPr/>
         <p:txBody>
-          <a:bodyPr/>
+          <a:bodyPr>
+            <a:normAutofit/>
+          </a:bodyPr>
           <a:lstStyle/>
           <a:p>
+            <a:pPr lvl="1"/>
+            <a:r>
+              <a:rPr lang="de-AT" sz="4400" dirty="0"/>
+              <a:t>Weitere benötigte Elektronik</a:t>
+            </a:r>
+          </a:p>
+        </p:txBody>
+      </p:sp>
+      <p:sp>
+        <p:nvSpPr>
+          <p:cNvPr id="3" name="Inhaltsplatzhalter 2">
+            <a:extLst>
+              <a:ext uri="{FF2B5EF4-FFF2-40B4-BE49-F238E27FC236}">
+                <a16:creationId xmlns:a16="http://schemas.microsoft.com/office/drawing/2014/main" id="{24BB929B-5F58-4ECE-AF00-8A8B65C02F61}"/>
+              </a:ext>
+            </a:extLst>
+          </p:cNvPr>
+          <p:cNvSpPr>
+            <a:spLocks noGrp="1"/>
+          </p:cNvSpPr>
+          <p:nvPr>
+            <p:ph idx="1"/>
+          </p:nvPr>
+        </p:nvSpPr>
+        <p:spPr/>
+        <p:txBody>
+          <a:bodyPr>
+            <a:normAutofit lnSpcReduction="10000"/>
+          </a:bodyPr>
+          <a:lstStyle/>
+          <a:p>
             <a:r>
               <a:rPr lang="de-AT" dirty="0"/>
-              <a:t>Steuerung</a:t>
-            </a:r>
-          </a:p>
-        </p:txBody>
-      </p:sp>
-      <p:sp>
-        <p:nvSpPr>
-          <p:cNvPr id="3" name="Inhaltsplatzhalter 2">
-            <a:extLst>
-              <a:ext uri="{FF2B5EF4-FFF2-40B4-BE49-F238E27FC236}">
-                <a16:creationId xmlns:a16="http://schemas.microsoft.com/office/drawing/2014/main" id="{24BB929B-5F58-4ECE-AF00-8A8B65C02F61}"/>
-              </a:ext>
-            </a:extLst>
-          </p:cNvPr>
-          <p:cNvSpPr>
-            <a:spLocks noGrp="1"/>
-          </p:cNvSpPr>
-          <p:nvPr>
-            <p:ph idx="1"/>
-          </p:nvPr>
-        </p:nvSpPr>
-        <p:spPr/>
-        <p:txBody>
-          <a:bodyPr/>
-          <a:lstStyle/>
-          <a:p>
-            <a:r>
-              <a:rPr lang="de-AT" dirty="0"/>
-              <a:t>Raspberry:</a:t>
+              <a:t>Raspberry Pi 3:</a:t>
             </a:r>
           </a:p>
           <a:p>
@@ -5744,6 +7229,24 @@
           <a:p>
             <a:pPr lvl="1"/>
             <a:endParaRPr lang="de-AT" dirty="0"/>
+          </a:p>
+          <a:p>
+            <a:r>
+              <a:rPr lang="de-AT" dirty="0"/>
+              <a:t>Spannungsversorgungen</a:t>
+            </a:r>
+          </a:p>
+          <a:p>
+            <a:r>
+              <a:rPr lang="de-AT" dirty="0"/>
+              <a:t>Lüfter</a:t>
+            </a:r>
+          </a:p>
+          <a:p>
+            <a:r>
+              <a:rPr lang="de-AT" dirty="0"/>
+              <a:t>Optokoppler</a:t>
+            </a:r>
           </a:p>
         </p:txBody>
       </p:sp>
@@ -5775,8 +7278,8 @@
         </p:blipFill>
         <p:spPr>
           <a:xfrm>
-            <a:off x="7914915" y="0"/>
-            <a:ext cx="4277085" cy="3235876"/>
+            <a:off x="8289758" y="0"/>
+            <a:ext cx="3902242" cy="2952284"/>
           </a:xfrm>
           <a:prstGeom prst="rect">
             <a:avLst/>
@@ -5793,6 +7296,377 @@
   <p:clrMapOvr>
     <a:masterClrMapping/>
   </p:clrMapOvr>
+  <p:timing>
+    <p:tnLst>
+      <p:par>
+        <p:cTn id="1" dur="indefinite" restart="never" nodeType="tmRoot">
+          <p:childTnLst>
+            <p:seq concurrent="1" nextAc="seek">
+              <p:cTn id="2" dur="indefinite" nodeType="mainSeq">
+                <p:childTnLst>
+                  <p:par>
+                    <p:cTn id="3" fill="hold">
+                      <p:stCondLst>
+                        <p:cond delay="indefinite"/>
+                      </p:stCondLst>
+                      <p:childTnLst>
+                        <p:par>
+                          <p:cTn id="4" fill="hold">
+                            <p:stCondLst>
+                              <p:cond delay="0"/>
+                            </p:stCondLst>
+                            <p:childTnLst>
+                              <p:par>
+                                <p:cTn id="5" presetID="1" presetClass="entr" presetSubtype="0" fill="hold" grpId="0" nodeType="clickEffect">
+                                  <p:stCondLst>
+                                    <p:cond delay="0"/>
+                                  </p:stCondLst>
+                                  <p:childTnLst>
+                                    <p:set>
+                                      <p:cBhvr>
+                                        <p:cTn id="6" dur="1" fill="hold">
+                                          <p:stCondLst>
+                                            <p:cond delay="0"/>
+                                          </p:stCondLst>
+                                        </p:cTn>
+                                        <p:tgtEl>
+                                          <p:spTgt spid="3">
+                                            <p:txEl>
+                                              <p:pRg st="0" end="0"/>
+                                            </p:txEl>
+                                          </p:spTgt>
+                                        </p:tgtEl>
+                                        <p:attrNameLst>
+                                          <p:attrName>style.visibility</p:attrName>
+                                        </p:attrNameLst>
+                                      </p:cBhvr>
+                                      <p:to>
+                                        <p:strVal val="visible"/>
+                                      </p:to>
+                                    </p:set>
+                                  </p:childTnLst>
+                                </p:cTn>
+                              </p:par>
+                              <p:par>
+                                <p:cTn id="7" presetID="1" presetClass="entr" presetSubtype="0" fill="hold" grpId="0" nodeType="withEffect">
+                                  <p:stCondLst>
+                                    <p:cond delay="0"/>
+                                  </p:stCondLst>
+                                  <p:childTnLst>
+                                    <p:set>
+                                      <p:cBhvr>
+                                        <p:cTn id="8" dur="1" fill="hold">
+                                          <p:stCondLst>
+                                            <p:cond delay="0"/>
+                                          </p:stCondLst>
+                                        </p:cTn>
+                                        <p:tgtEl>
+                                          <p:spTgt spid="3">
+                                            <p:txEl>
+                                              <p:pRg st="1" end="1"/>
+                                            </p:txEl>
+                                          </p:spTgt>
+                                        </p:tgtEl>
+                                        <p:attrNameLst>
+                                          <p:attrName>style.visibility</p:attrName>
+                                        </p:attrNameLst>
+                                      </p:cBhvr>
+                                      <p:to>
+                                        <p:strVal val="visible"/>
+                                      </p:to>
+                                    </p:set>
+                                  </p:childTnLst>
+                                </p:cTn>
+                              </p:par>
+                              <p:par>
+                                <p:cTn id="9" presetID="1" presetClass="entr" presetSubtype="0" fill="hold" grpId="0" nodeType="withEffect">
+                                  <p:stCondLst>
+                                    <p:cond delay="0"/>
+                                  </p:stCondLst>
+                                  <p:childTnLst>
+                                    <p:set>
+                                      <p:cBhvr>
+                                        <p:cTn id="10" dur="1" fill="hold">
+                                          <p:stCondLst>
+                                            <p:cond delay="0"/>
+                                          </p:stCondLst>
+                                        </p:cTn>
+                                        <p:tgtEl>
+                                          <p:spTgt spid="3">
+                                            <p:txEl>
+                                              <p:pRg st="2" end="2"/>
+                                            </p:txEl>
+                                          </p:spTgt>
+                                        </p:tgtEl>
+                                        <p:attrNameLst>
+                                          <p:attrName>style.visibility</p:attrName>
+                                        </p:attrNameLst>
+                                      </p:cBhvr>
+                                      <p:to>
+                                        <p:strVal val="visible"/>
+                                      </p:to>
+                                    </p:set>
+                                  </p:childTnLst>
+                                </p:cTn>
+                              </p:par>
+                            </p:childTnLst>
+                          </p:cTn>
+                        </p:par>
+                      </p:childTnLst>
+                    </p:cTn>
+                  </p:par>
+                  <p:par>
+                    <p:cTn id="11" fill="hold">
+                      <p:stCondLst>
+                        <p:cond delay="indefinite"/>
+                      </p:stCondLst>
+                      <p:childTnLst>
+                        <p:par>
+                          <p:cTn id="12" fill="hold">
+                            <p:stCondLst>
+                              <p:cond delay="0"/>
+                            </p:stCondLst>
+                            <p:childTnLst>
+                              <p:par>
+                                <p:cTn id="13" presetID="1" presetClass="entr" presetSubtype="0" fill="hold" grpId="0" nodeType="clickEffect">
+                                  <p:stCondLst>
+                                    <p:cond delay="0"/>
+                                  </p:stCondLst>
+                                  <p:childTnLst>
+                                    <p:set>
+                                      <p:cBhvr>
+                                        <p:cTn id="14" dur="1" fill="hold">
+                                          <p:stCondLst>
+                                            <p:cond delay="0"/>
+                                          </p:stCondLst>
+                                        </p:cTn>
+                                        <p:tgtEl>
+                                          <p:spTgt spid="3">
+                                            <p:txEl>
+                                              <p:pRg st="4" end="4"/>
+                                            </p:txEl>
+                                          </p:spTgt>
+                                        </p:tgtEl>
+                                        <p:attrNameLst>
+                                          <p:attrName>style.visibility</p:attrName>
+                                        </p:attrNameLst>
+                                      </p:cBhvr>
+                                      <p:to>
+                                        <p:strVal val="visible"/>
+                                      </p:to>
+                                    </p:set>
+                                  </p:childTnLst>
+                                </p:cTn>
+                              </p:par>
+                              <p:par>
+                                <p:cTn id="15" presetID="1" presetClass="entr" presetSubtype="0" fill="hold" grpId="0" nodeType="withEffect">
+                                  <p:stCondLst>
+                                    <p:cond delay="0"/>
+                                  </p:stCondLst>
+                                  <p:childTnLst>
+                                    <p:set>
+                                      <p:cBhvr>
+                                        <p:cTn id="16" dur="1" fill="hold">
+                                          <p:stCondLst>
+                                            <p:cond delay="0"/>
+                                          </p:stCondLst>
+                                        </p:cTn>
+                                        <p:tgtEl>
+                                          <p:spTgt spid="3">
+                                            <p:txEl>
+                                              <p:pRg st="5" end="5"/>
+                                            </p:txEl>
+                                          </p:spTgt>
+                                        </p:tgtEl>
+                                        <p:attrNameLst>
+                                          <p:attrName>style.visibility</p:attrName>
+                                        </p:attrNameLst>
+                                      </p:cBhvr>
+                                      <p:to>
+                                        <p:strVal val="visible"/>
+                                      </p:to>
+                                    </p:set>
+                                  </p:childTnLst>
+                                </p:cTn>
+                              </p:par>
+                            </p:childTnLst>
+                          </p:cTn>
+                        </p:par>
+                      </p:childTnLst>
+                    </p:cTn>
+                  </p:par>
+                  <p:par>
+                    <p:cTn id="17" fill="hold">
+                      <p:stCondLst>
+                        <p:cond delay="indefinite"/>
+                      </p:stCondLst>
+                      <p:childTnLst>
+                        <p:par>
+                          <p:cTn id="18" fill="hold">
+                            <p:stCondLst>
+                              <p:cond delay="0"/>
+                            </p:stCondLst>
+                            <p:childTnLst>
+                              <p:par>
+                                <p:cTn id="19" presetID="1" presetClass="entr" presetSubtype="0" fill="hold" grpId="0" nodeType="clickEffect">
+                                  <p:stCondLst>
+                                    <p:cond delay="0"/>
+                                  </p:stCondLst>
+                                  <p:childTnLst>
+                                    <p:set>
+                                      <p:cBhvr>
+                                        <p:cTn id="20" dur="1" fill="hold">
+                                          <p:stCondLst>
+                                            <p:cond delay="0"/>
+                                          </p:stCondLst>
+                                        </p:cTn>
+                                        <p:tgtEl>
+                                          <p:spTgt spid="3">
+                                            <p:txEl>
+                                              <p:pRg st="7" end="7"/>
+                                            </p:txEl>
+                                          </p:spTgt>
+                                        </p:tgtEl>
+                                        <p:attrNameLst>
+                                          <p:attrName>style.visibility</p:attrName>
+                                        </p:attrNameLst>
+                                      </p:cBhvr>
+                                      <p:to>
+                                        <p:strVal val="visible"/>
+                                      </p:to>
+                                    </p:set>
+                                  </p:childTnLst>
+                                </p:cTn>
+                              </p:par>
+                            </p:childTnLst>
+                          </p:cTn>
+                        </p:par>
+                      </p:childTnLst>
+                    </p:cTn>
+                  </p:par>
+                  <p:par>
+                    <p:cTn id="21" fill="hold">
+                      <p:stCondLst>
+                        <p:cond delay="indefinite"/>
+                      </p:stCondLst>
+                      <p:childTnLst>
+                        <p:par>
+                          <p:cTn id="22" fill="hold">
+                            <p:stCondLst>
+                              <p:cond delay="0"/>
+                            </p:stCondLst>
+                            <p:childTnLst>
+                              <p:par>
+                                <p:cTn id="23" presetID="1" presetClass="entr" presetSubtype="0" fill="hold" grpId="0" nodeType="clickEffect">
+                                  <p:stCondLst>
+                                    <p:cond delay="0"/>
+                                  </p:stCondLst>
+                                  <p:childTnLst>
+                                    <p:set>
+                                      <p:cBhvr>
+                                        <p:cTn id="24" dur="1" fill="hold">
+                                          <p:stCondLst>
+                                            <p:cond delay="0"/>
+                                          </p:stCondLst>
+                                        </p:cTn>
+                                        <p:tgtEl>
+                                          <p:spTgt spid="3">
+                                            <p:txEl>
+                                              <p:pRg st="8" end="8"/>
+                                            </p:txEl>
+                                          </p:spTgt>
+                                        </p:tgtEl>
+                                        <p:attrNameLst>
+                                          <p:attrName>style.visibility</p:attrName>
+                                        </p:attrNameLst>
+                                      </p:cBhvr>
+                                      <p:to>
+                                        <p:strVal val="visible"/>
+                                      </p:to>
+                                    </p:set>
+                                  </p:childTnLst>
+                                </p:cTn>
+                              </p:par>
+                            </p:childTnLst>
+                          </p:cTn>
+                        </p:par>
+                      </p:childTnLst>
+                    </p:cTn>
+                  </p:par>
+                  <p:par>
+                    <p:cTn id="25" fill="hold">
+                      <p:stCondLst>
+                        <p:cond delay="indefinite"/>
+                      </p:stCondLst>
+                      <p:childTnLst>
+                        <p:par>
+                          <p:cTn id="26" fill="hold">
+                            <p:stCondLst>
+                              <p:cond delay="0"/>
+                            </p:stCondLst>
+                            <p:childTnLst>
+                              <p:par>
+                                <p:cTn id="27" presetID="1" presetClass="entr" presetSubtype="0" fill="hold" grpId="0" nodeType="clickEffect">
+                                  <p:stCondLst>
+                                    <p:cond delay="0"/>
+                                  </p:stCondLst>
+                                  <p:childTnLst>
+                                    <p:set>
+                                      <p:cBhvr>
+                                        <p:cTn id="28" dur="1" fill="hold">
+                                          <p:stCondLst>
+                                            <p:cond delay="0"/>
+                                          </p:stCondLst>
+                                        </p:cTn>
+                                        <p:tgtEl>
+                                          <p:spTgt spid="3">
+                                            <p:txEl>
+                                              <p:pRg st="9" end="9"/>
+                                            </p:txEl>
+                                          </p:spTgt>
+                                        </p:tgtEl>
+                                        <p:attrNameLst>
+                                          <p:attrName>style.visibility</p:attrName>
+                                        </p:attrNameLst>
+                                      </p:cBhvr>
+                                      <p:to>
+                                        <p:strVal val="visible"/>
+                                      </p:to>
+                                    </p:set>
+                                  </p:childTnLst>
+                                </p:cTn>
+                              </p:par>
+                            </p:childTnLst>
+                          </p:cTn>
+                        </p:par>
+                      </p:childTnLst>
+                    </p:cTn>
+                  </p:par>
+                </p:childTnLst>
+              </p:cTn>
+              <p:prevCondLst>
+                <p:cond evt="onPrev" delay="0">
+                  <p:tgtEl>
+                    <p:sldTgt/>
+                  </p:tgtEl>
+                </p:cond>
+              </p:prevCondLst>
+              <p:nextCondLst>
+                <p:cond evt="onNext" delay="0">
+                  <p:tgtEl>
+                    <p:sldTgt/>
+                  </p:tgtEl>
+                </p:cond>
+              </p:nextCondLst>
+            </p:seq>
+          </p:childTnLst>
+        </p:cTn>
+      </p:par>
+    </p:tnLst>
+    <p:bldLst>
+      <p:bldP spid="3" grpId="0" build="p"/>
+    </p:bldLst>
+  </p:timing>
 </p:sld>
 </file>
 
@@ -5956,6 +7830,182 @@
   <p:clrMapOvr>
     <a:masterClrMapping/>
   </p:clrMapOvr>
+  <p:timing>
+    <p:tnLst>
+      <p:par>
+        <p:cTn id="1" dur="indefinite" restart="never" nodeType="tmRoot">
+          <p:childTnLst>
+            <p:seq concurrent="1" nextAc="seek">
+              <p:cTn id="2" dur="indefinite" nodeType="mainSeq">
+                <p:childTnLst>
+                  <p:par>
+                    <p:cTn id="3" fill="hold">
+                      <p:stCondLst>
+                        <p:cond delay="indefinite"/>
+                      </p:stCondLst>
+                      <p:childTnLst>
+                        <p:par>
+                          <p:cTn id="4" fill="hold">
+                            <p:stCondLst>
+                              <p:cond delay="0"/>
+                            </p:stCondLst>
+                            <p:childTnLst>
+                              <p:par>
+                                <p:cTn id="5" presetID="1" presetClass="entr" presetSubtype="0" fill="hold" grpId="0" nodeType="clickEffect">
+                                  <p:stCondLst>
+                                    <p:cond delay="0"/>
+                                  </p:stCondLst>
+                                  <p:childTnLst>
+                                    <p:set>
+                                      <p:cBhvr>
+                                        <p:cTn id="6" dur="1" fill="hold">
+                                          <p:stCondLst>
+                                            <p:cond delay="0"/>
+                                          </p:stCondLst>
+                                        </p:cTn>
+                                        <p:tgtEl>
+                                          <p:spTgt spid="3">
+                                            <p:txEl>
+                                              <p:pRg st="0" end="0"/>
+                                            </p:txEl>
+                                          </p:spTgt>
+                                        </p:tgtEl>
+                                        <p:attrNameLst>
+                                          <p:attrName>style.visibility</p:attrName>
+                                        </p:attrNameLst>
+                                      </p:cBhvr>
+                                      <p:to>
+                                        <p:strVal val="visible"/>
+                                      </p:to>
+                                    </p:set>
+                                  </p:childTnLst>
+                                </p:cTn>
+                              </p:par>
+                            </p:childTnLst>
+                          </p:cTn>
+                        </p:par>
+                      </p:childTnLst>
+                    </p:cTn>
+                  </p:par>
+                  <p:par>
+                    <p:cTn id="7" fill="hold">
+                      <p:stCondLst>
+                        <p:cond delay="indefinite"/>
+                      </p:stCondLst>
+                      <p:childTnLst>
+                        <p:par>
+                          <p:cTn id="8" fill="hold">
+                            <p:stCondLst>
+                              <p:cond delay="0"/>
+                            </p:stCondLst>
+                            <p:childTnLst>
+                              <p:par>
+                                <p:cTn id="9" presetID="1" presetClass="entr" presetSubtype="0" fill="hold" grpId="0" nodeType="clickEffect">
+                                  <p:stCondLst>
+                                    <p:cond delay="0"/>
+                                  </p:stCondLst>
+                                  <p:childTnLst>
+                                    <p:set>
+                                      <p:cBhvr>
+                                        <p:cTn id="10" dur="1" fill="hold">
+                                          <p:stCondLst>
+                                            <p:cond delay="0"/>
+                                          </p:stCondLst>
+                                        </p:cTn>
+                                        <p:tgtEl>
+                                          <p:spTgt spid="3">
+                                            <p:txEl>
+                                              <p:pRg st="1" end="1"/>
+                                            </p:txEl>
+                                          </p:spTgt>
+                                        </p:tgtEl>
+                                        <p:attrNameLst>
+                                          <p:attrName>style.visibility</p:attrName>
+                                        </p:attrNameLst>
+                                      </p:cBhvr>
+                                      <p:to>
+                                        <p:strVal val="visible"/>
+                                      </p:to>
+                                    </p:set>
+                                  </p:childTnLst>
+                                </p:cTn>
+                              </p:par>
+                            </p:childTnLst>
+                          </p:cTn>
+                        </p:par>
+                      </p:childTnLst>
+                    </p:cTn>
+                  </p:par>
+                  <p:par>
+                    <p:cTn id="11" fill="hold">
+                      <p:stCondLst>
+                        <p:cond delay="indefinite"/>
+                      </p:stCondLst>
+                      <p:childTnLst>
+                        <p:par>
+                          <p:cTn id="12" fill="hold">
+                            <p:stCondLst>
+                              <p:cond delay="0"/>
+                            </p:stCondLst>
+                            <p:childTnLst>
+                              <p:par>
+                                <p:cTn id="13" presetID="1" presetClass="entr" presetSubtype="0" fill="hold" nodeType="clickEffect">
+                                  <p:stCondLst>
+                                    <p:cond delay="0"/>
+                                  </p:stCondLst>
+                                  <p:childTnLst>
+                                    <p:set>
+                                      <p:cBhvr>
+                                        <p:cTn id="14" dur="1" fill="hold">
+                                          <p:stCondLst>
+                                            <p:cond delay="0"/>
+                                          </p:stCondLst>
+                                        </p:cTn>
+                                        <p:tgtEl>
+                                          <p:spTgt spid="5"/>
+                                        </p:tgtEl>
+                                        <p:attrNameLst>
+                                          <p:attrName>style.visibility</p:attrName>
+                                        </p:attrNameLst>
+                                      </p:cBhvr>
+                                      <p:to>
+                                        <p:strVal val="visible"/>
+                                      </p:to>
+                                    </p:set>
+                                  </p:childTnLst>
+                                </p:cTn>
+                              </p:par>
+                            </p:childTnLst>
+                          </p:cTn>
+                        </p:par>
+                      </p:childTnLst>
+                    </p:cTn>
+                  </p:par>
+                </p:childTnLst>
+              </p:cTn>
+              <p:prevCondLst>
+                <p:cond evt="onPrev" delay="0">
+                  <p:tgtEl>
+                    <p:sldTgt/>
+                  </p:tgtEl>
+                </p:cond>
+              </p:prevCondLst>
+              <p:nextCondLst>
+                <p:cond evt="onNext" delay="0">
+                  <p:tgtEl>
+                    <p:sldTgt/>
+                  </p:tgtEl>
+                </p:cond>
+              </p:nextCondLst>
+            </p:seq>
+          </p:childTnLst>
+        </p:cTn>
+      </p:par>
+    </p:tnLst>
+    <p:bldLst>
+      <p:bldP spid="3" grpId="0" build="p"/>
+    </p:bldLst>
+  </p:timing>
 </p:sld>
 </file>
 

--- a/Diplomarbeit/Powerpoint/Wolf.pptx
+++ b/Diplomarbeit/Powerpoint/Wolf.pptx
@@ -130,10 +130,6 @@
 </p:presentation>
 </file>
 
-<file path=ppt/revisionInfo.xml><?xml version="1.0" encoding="utf-8"?>
-<p1510:revInfo xmlns:a="http://schemas.openxmlformats.org/drawingml/2006/main" xmlns:r="http://schemas.openxmlformats.org/officeDocument/2006/relationships" xmlns:p1510="http://schemas.microsoft.com/office/powerpoint/2015/10/main"/>
-</file>
-
 <file path=ppt/slideLayouts/slideLayout1.xml><?xml version="1.0" encoding="utf-8"?>
 <p:sldLayout xmlns:a="http://schemas.openxmlformats.org/drawingml/2006/main" xmlns:r="http://schemas.openxmlformats.org/officeDocument/2006/relationships" xmlns:p="http://schemas.openxmlformats.org/presentationml/2006/main" type="title" preserve="1">
   <p:cSld name="Titelfolie">
@@ -337,7 +333,7 @@
           <a:p>
             <a:fld id="{4AD05B69-7CB8-45C6-B6F2-9CAB5F75BAF3}" type="slidenum">
               <a:rPr lang="de-AT" smtClean="0"/>
-              <a:t>‹Nr.›</a:t>
+              <a:t>‹#›</a:t>
             </a:fld>
             <a:endParaRPr lang="de-AT"/>
           </a:p>
@@ -537,7 +533,7 @@
           <a:p>
             <a:fld id="{4AD05B69-7CB8-45C6-B6F2-9CAB5F75BAF3}" type="slidenum">
               <a:rPr lang="de-AT" smtClean="0"/>
-              <a:t>‹Nr.›</a:t>
+              <a:t>‹#›</a:t>
             </a:fld>
             <a:endParaRPr lang="de-AT"/>
           </a:p>
@@ -747,7 +743,7 @@
           <a:p>
             <a:fld id="{4AD05B69-7CB8-45C6-B6F2-9CAB5F75BAF3}" type="slidenum">
               <a:rPr lang="de-AT" smtClean="0"/>
-              <a:t>‹Nr.›</a:t>
+              <a:t>‹#›</a:t>
             </a:fld>
             <a:endParaRPr lang="de-AT"/>
           </a:p>
@@ -947,7 +943,7 @@
           <a:p>
             <a:fld id="{4AD05B69-7CB8-45C6-B6F2-9CAB5F75BAF3}" type="slidenum">
               <a:rPr lang="de-AT" smtClean="0"/>
-              <a:t>‹Nr.›</a:t>
+              <a:t>‹#›</a:t>
             </a:fld>
             <a:endParaRPr lang="de-AT"/>
           </a:p>
@@ -1223,7 +1219,7 @@
           <a:p>
             <a:fld id="{4AD05B69-7CB8-45C6-B6F2-9CAB5F75BAF3}" type="slidenum">
               <a:rPr lang="de-AT" smtClean="0"/>
-              <a:t>‹Nr.›</a:t>
+              <a:t>‹#›</a:t>
             </a:fld>
             <a:endParaRPr lang="de-AT"/>
           </a:p>
@@ -1491,7 +1487,7 @@
           <a:p>
             <a:fld id="{4AD05B69-7CB8-45C6-B6F2-9CAB5F75BAF3}" type="slidenum">
               <a:rPr lang="de-AT" smtClean="0"/>
-              <a:t>‹Nr.›</a:t>
+              <a:t>‹#›</a:t>
             </a:fld>
             <a:endParaRPr lang="de-AT"/>
           </a:p>
@@ -1906,7 +1902,7 @@
           <a:p>
             <a:fld id="{4AD05B69-7CB8-45C6-B6F2-9CAB5F75BAF3}" type="slidenum">
               <a:rPr lang="de-AT" smtClean="0"/>
-              <a:t>‹Nr.›</a:t>
+              <a:t>‹#›</a:t>
             </a:fld>
             <a:endParaRPr lang="de-AT"/>
           </a:p>
@@ -2048,7 +2044,7 @@
           <a:p>
             <a:fld id="{4AD05B69-7CB8-45C6-B6F2-9CAB5F75BAF3}" type="slidenum">
               <a:rPr lang="de-AT" smtClean="0"/>
-              <a:t>‹Nr.›</a:t>
+              <a:t>‹#›</a:t>
             </a:fld>
             <a:endParaRPr lang="de-AT"/>
           </a:p>
@@ -2161,7 +2157,7 @@
           <a:p>
             <a:fld id="{4AD05B69-7CB8-45C6-B6F2-9CAB5F75BAF3}" type="slidenum">
               <a:rPr lang="de-AT" smtClean="0"/>
-              <a:t>‹Nr.›</a:t>
+              <a:t>‹#›</a:t>
             </a:fld>
             <a:endParaRPr lang="de-AT"/>
           </a:p>
@@ -2474,7 +2470,7 @@
           <a:p>
             <a:fld id="{4AD05B69-7CB8-45C6-B6F2-9CAB5F75BAF3}" type="slidenum">
               <a:rPr lang="de-AT" smtClean="0"/>
-              <a:t>‹Nr.›</a:t>
+              <a:t>‹#›</a:t>
             </a:fld>
             <a:endParaRPr lang="de-AT"/>
           </a:p>
@@ -2763,7 +2759,7 @@
           <a:p>
             <a:fld id="{4AD05B69-7CB8-45C6-B6F2-9CAB5F75BAF3}" type="slidenum">
               <a:rPr lang="de-AT" smtClean="0"/>
-              <a:t>‹Nr.›</a:t>
+              <a:t>‹#›</a:t>
             </a:fld>
             <a:endParaRPr lang="de-AT"/>
           </a:p>
@@ -3042,7 +3038,7 @@
           <a:p>
             <a:fld id="{4AD05B69-7CB8-45C6-B6F2-9CAB5F75BAF3}" type="slidenum">
               <a:rPr lang="de-AT" smtClean="0"/>
-              <a:t>‹Nr.›</a:t>
+              <a:t>‹#›</a:t>
             </a:fld>
             <a:endParaRPr lang="de-AT"/>
           </a:p>
@@ -6340,12 +6336,8 @@
           </a:p>
           <a:p>
             <a:r>
-              <a:rPr lang="de-AT" dirty="0" err="1"/>
-              <a:t>Drehzalregelung</a:t>
-            </a:r>
-            <a:r>
               <a:rPr lang="de-AT" dirty="0"/>
-              <a:t> mittels PWM</a:t>
+              <a:t>Drehzahlregelung mittels PWM</a:t>
             </a:r>
           </a:p>
           <a:p>
@@ -7183,30 +7175,14 @@
             <a:pPr lvl="1"/>
             <a:r>
               <a:rPr lang="de-AT" dirty="0"/>
-              <a:t>Ausgabe digitaler Signale mittels </a:t>
-            </a:r>
-            <a:r>
-              <a:rPr lang="de-AT" dirty="0" err="1"/>
-              <a:t>onboard</a:t>
-            </a:r>
+              <a:t>Ausgabe digitaler Signale mittels Pins des Raspberrys</a:t>
+            </a:r>
+          </a:p>
+          <a:p>
+            <a:pPr lvl="1"/>
             <a:r>
               <a:rPr lang="de-AT" dirty="0"/>
-              <a:t>-Pins</a:t>
-            </a:r>
-          </a:p>
-          <a:p>
-            <a:pPr lvl="1"/>
-            <a:r>
-              <a:rPr lang="de-AT" dirty="0"/>
-              <a:t>Auswertung digitaler Signale mittels </a:t>
-            </a:r>
-            <a:r>
-              <a:rPr lang="de-AT" dirty="0" err="1"/>
-              <a:t>onboard</a:t>
-            </a:r>
-            <a:r>
-              <a:rPr lang="de-AT" dirty="0"/>
-              <a:t>-Pins</a:t>
+              <a:t>Auswertung digitaler Signale mittels Pins des Raspberrys</a:t>
             </a:r>
           </a:p>
           <a:p>
@@ -7278,8 +7254,8 @@
         </p:blipFill>
         <p:spPr>
           <a:xfrm>
-            <a:off x="8289758" y="0"/>
-            <a:ext cx="3902242" cy="2952284"/>
+            <a:off x="8613828" y="0"/>
+            <a:ext cx="3578172" cy="2707105"/>
           </a:xfrm>
           <a:prstGeom prst="rect">
             <a:avLst/>
